--- a/Apresentação do ConnectSpace.pptx
+++ b/Apresentação do ConnectSpace.pptx
@@ -3867,6 +3867,226 @@
   <p:clrMapOvr>
     <a:masterClrMapping/>
   </p:clrMapOvr>
+  <p:timing>
+    <p:tnLst>
+      <p:par>
+        <p:cTn id="1" dur="indefinite" restart="never" nodeType="tmRoot">
+          <p:childTnLst>
+            <p:seq concurrent="1" nextAc="seek">
+              <p:cTn id="2" dur="indefinite" nodeType="mainSeq">
+                <p:childTnLst>
+                  <p:par>
+                    <p:cTn id="3" fill="hold">
+                      <p:stCondLst>
+                        <p:cond delay="indefinite"/>
+                      </p:stCondLst>
+                      <p:childTnLst>
+                        <p:par>
+                          <p:cTn id="4" fill="hold">
+                            <p:stCondLst>
+                              <p:cond delay="0"/>
+                            </p:stCondLst>
+                            <p:childTnLst>
+                              <p:par>
+                                <p:cTn id="5" presetID="1" presetClass="entr" presetSubtype="0" fill="hold" grpId="0" nodeType="clickEffect">
+                                  <p:stCondLst>
+                                    <p:cond delay="0"/>
+                                  </p:stCondLst>
+                                  <p:childTnLst>
+                                    <p:set>
+                                      <p:cBhvr>
+                                        <p:cTn id="6" dur="1" fill="hold">
+                                          <p:stCondLst>
+                                            <p:cond delay="0"/>
+                                          </p:stCondLst>
+                                        </p:cTn>
+                                        <p:tgtEl>
+                                          <p:spTgt spid="2"/>
+                                        </p:tgtEl>
+                                        <p:attrNameLst>
+                                          <p:attrName>style.visibility</p:attrName>
+                                        </p:attrNameLst>
+                                      </p:cBhvr>
+                                      <p:to>
+                                        <p:strVal val="visible"/>
+                                      </p:to>
+                                    </p:set>
+                                  </p:childTnLst>
+                                </p:cTn>
+                              </p:par>
+                            </p:childTnLst>
+                          </p:cTn>
+                        </p:par>
+                      </p:childTnLst>
+                    </p:cTn>
+                  </p:par>
+                  <p:par>
+                    <p:cTn id="7" fill="hold">
+                      <p:stCondLst>
+                        <p:cond delay="indefinite"/>
+                      </p:stCondLst>
+                      <p:childTnLst>
+                        <p:par>
+                          <p:cTn id="8" fill="hold">
+                            <p:stCondLst>
+                              <p:cond delay="0"/>
+                            </p:stCondLst>
+                            <p:childTnLst>
+                              <p:par>
+                                <p:cTn id="9" presetID="1" presetClass="entr" presetSubtype="0" fill="hold" grpId="0" nodeType="clickEffect">
+                                  <p:stCondLst>
+                                    <p:cond delay="0"/>
+                                  </p:stCondLst>
+                                  <p:childTnLst>
+                                    <p:set>
+                                      <p:cBhvr>
+                                        <p:cTn id="10" dur="1" fill="hold">
+                                          <p:stCondLst>
+                                            <p:cond delay="0"/>
+                                          </p:stCondLst>
+                                        </p:cTn>
+                                        <p:tgtEl>
+                                          <p:spTgt spid="4"/>
+                                        </p:tgtEl>
+                                        <p:attrNameLst>
+                                          <p:attrName>style.visibility</p:attrName>
+                                        </p:attrNameLst>
+                                      </p:cBhvr>
+                                      <p:to>
+                                        <p:strVal val="visible"/>
+                                      </p:to>
+                                    </p:set>
+                                  </p:childTnLst>
+                                </p:cTn>
+                              </p:par>
+                            </p:childTnLst>
+                          </p:cTn>
+                        </p:par>
+                      </p:childTnLst>
+                    </p:cTn>
+                  </p:par>
+                  <p:par>
+                    <p:cTn id="11" fill="hold">
+                      <p:stCondLst>
+                        <p:cond delay="indefinite"/>
+                      </p:stCondLst>
+                      <p:childTnLst>
+                        <p:par>
+                          <p:cTn id="12" fill="hold">
+                            <p:stCondLst>
+                              <p:cond delay="0"/>
+                            </p:stCondLst>
+                            <p:childTnLst>
+                              <p:par>
+                                <p:cTn id="13" presetID="1" presetClass="entr" presetSubtype="0" fill="hold" grpId="0" nodeType="clickEffect">
+                                  <p:stCondLst>
+                                    <p:cond delay="0"/>
+                                  </p:stCondLst>
+                                  <p:childTnLst>
+                                    <p:set>
+                                      <p:cBhvr>
+                                        <p:cTn id="14" dur="1" fill="hold">
+                                          <p:stCondLst>
+                                            <p:cond delay="0"/>
+                                          </p:stCondLst>
+                                        </p:cTn>
+                                        <p:tgtEl>
+                                          <p:spTgt spid="3">
+                                            <p:txEl>
+                                              <p:pRg st="0" end="0"/>
+                                            </p:txEl>
+                                          </p:spTgt>
+                                        </p:tgtEl>
+                                        <p:attrNameLst>
+                                          <p:attrName>style.visibility</p:attrName>
+                                        </p:attrNameLst>
+                                      </p:cBhvr>
+                                      <p:to>
+                                        <p:strVal val="visible"/>
+                                      </p:to>
+                                    </p:set>
+                                  </p:childTnLst>
+                                </p:cTn>
+                              </p:par>
+                            </p:childTnLst>
+                          </p:cTn>
+                        </p:par>
+                      </p:childTnLst>
+                    </p:cTn>
+                  </p:par>
+                  <p:par>
+                    <p:cTn id="15" fill="hold">
+                      <p:stCondLst>
+                        <p:cond delay="indefinite"/>
+                      </p:stCondLst>
+                      <p:childTnLst>
+                        <p:par>
+                          <p:cTn id="16" fill="hold">
+                            <p:stCondLst>
+                              <p:cond delay="0"/>
+                            </p:stCondLst>
+                            <p:childTnLst>
+                              <p:par>
+                                <p:cTn id="17" presetID="1" presetClass="entr" presetSubtype="0" fill="hold" grpId="0" nodeType="clickEffect">
+                                  <p:stCondLst>
+                                    <p:cond delay="0"/>
+                                  </p:stCondLst>
+                                  <p:childTnLst>
+                                    <p:set>
+                                      <p:cBhvr>
+                                        <p:cTn id="18" dur="1" fill="hold">
+                                          <p:stCondLst>
+                                            <p:cond delay="0"/>
+                                          </p:stCondLst>
+                                        </p:cTn>
+                                        <p:tgtEl>
+                                          <p:spTgt spid="5"/>
+                                        </p:tgtEl>
+                                        <p:attrNameLst>
+                                          <p:attrName>style.visibility</p:attrName>
+                                        </p:attrNameLst>
+                                      </p:cBhvr>
+                                      <p:to>
+                                        <p:strVal val="visible"/>
+                                      </p:to>
+                                    </p:set>
+                                  </p:childTnLst>
+                                </p:cTn>
+                              </p:par>
+                            </p:childTnLst>
+                          </p:cTn>
+                        </p:par>
+                      </p:childTnLst>
+                    </p:cTn>
+                  </p:par>
+                </p:childTnLst>
+              </p:cTn>
+              <p:prevCondLst>
+                <p:cond evt="onPrev" delay="0">
+                  <p:tgtEl>
+                    <p:sldTgt/>
+                  </p:tgtEl>
+                </p:cond>
+              </p:prevCondLst>
+              <p:nextCondLst>
+                <p:cond evt="onNext" delay="0">
+                  <p:tgtEl>
+                    <p:sldTgt/>
+                  </p:tgtEl>
+                </p:cond>
+              </p:nextCondLst>
+            </p:seq>
+          </p:childTnLst>
+        </p:cTn>
+      </p:par>
+    </p:tnLst>
+    <p:bldLst>
+      <p:bldP spid="2" grpId="0"/>
+      <p:bldP spid="3" grpId="0" build="p"/>
+      <p:bldP spid="4" grpId="0"/>
+      <p:bldP spid="5" grpId="0"/>
+    </p:bldLst>
+  </p:timing>
 </p:sld>
 </file>
 
@@ -4617,6 +4837,272 @@
   <p:clrMapOvr>
     <a:masterClrMapping/>
   </p:clrMapOvr>
+  <p:timing>
+    <p:tnLst>
+      <p:par>
+        <p:cTn id="1" dur="indefinite" restart="never" nodeType="tmRoot">
+          <p:childTnLst>
+            <p:seq concurrent="1" nextAc="seek">
+              <p:cTn id="2" dur="indefinite" nodeType="mainSeq">
+                <p:childTnLst>
+                  <p:par>
+                    <p:cTn id="3" fill="hold">
+                      <p:stCondLst>
+                        <p:cond delay="indefinite"/>
+                      </p:stCondLst>
+                      <p:childTnLst>
+                        <p:par>
+                          <p:cTn id="4" fill="hold">
+                            <p:stCondLst>
+                              <p:cond delay="0"/>
+                            </p:stCondLst>
+                            <p:childTnLst>
+                              <p:par>
+                                <p:cTn id="5" presetID="1" presetClass="entr" presetSubtype="0" fill="hold" grpId="0" nodeType="clickEffect">
+                                  <p:stCondLst>
+                                    <p:cond delay="0"/>
+                                  </p:stCondLst>
+                                  <p:childTnLst>
+                                    <p:set>
+                                      <p:cBhvr>
+                                        <p:cTn id="6" dur="1" fill="hold">
+                                          <p:stCondLst>
+                                            <p:cond delay="0"/>
+                                          </p:stCondLst>
+                                        </p:cTn>
+                                        <p:tgtEl>
+                                          <p:spTgt spid="2"/>
+                                        </p:tgtEl>
+                                        <p:attrNameLst>
+                                          <p:attrName>style.visibility</p:attrName>
+                                        </p:attrNameLst>
+                                      </p:cBhvr>
+                                      <p:to>
+                                        <p:strVal val="visible"/>
+                                      </p:to>
+                                    </p:set>
+                                  </p:childTnLst>
+                                </p:cTn>
+                              </p:par>
+                            </p:childTnLst>
+                          </p:cTn>
+                        </p:par>
+                      </p:childTnLst>
+                    </p:cTn>
+                  </p:par>
+                  <p:par>
+                    <p:cTn id="7" fill="hold">
+                      <p:stCondLst>
+                        <p:cond delay="indefinite"/>
+                      </p:stCondLst>
+                      <p:childTnLst>
+                        <p:par>
+                          <p:cTn id="8" fill="hold">
+                            <p:stCondLst>
+                              <p:cond delay="0"/>
+                            </p:stCondLst>
+                            <p:childTnLst>
+                              <p:par>
+                                <p:cTn id="9" presetID="1" presetClass="entr" presetSubtype="0" fill="hold" grpId="0" nodeType="clickEffect">
+                                  <p:stCondLst>
+                                    <p:cond delay="0"/>
+                                  </p:stCondLst>
+                                  <p:childTnLst>
+                                    <p:set>
+                                      <p:cBhvr>
+                                        <p:cTn id="10" dur="1" fill="hold">
+                                          <p:stCondLst>
+                                            <p:cond delay="0"/>
+                                          </p:stCondLst>
+                                        </p:cTn>
+                                        <p:tgtEl>
+                                          <p:spTgt spid="7">
+                                            <p:txEl>
+                                              <p:pRg st="0" end="0"/>
+                                            </p:txEl>
+                                          </p:spTgt>
+                                        </p:tgtEl>
+                                        <p:attrNameLst>
+                                          <p:attrName>style.visibility</p:attrName>
+                                        </p:attrNameLst>
+                                      </p:cBhvr>
+                                      <p:to>
+                                        <p:strVal val="visible"/>
+                                      </p:to>
+                                    </p:set>
+                                  </p:childTnLst>
+                                </p:cTn>
+                              </p:par>
+                            </p:childTnLst>
+                          </p:cTn>
+                        </p:par>
+                      </p:childTnLst>
+                    </p:cTn>
+                  </p:par>
+                  <p:par>
+                    <p:cTn id="11" fill="hold">
+                      <p:stCondLst>
+                        <p:cond delay="indefinite"/>
+                      </p:stCondLst>
+                      <p:childTnLst>
+                        <p:par>
+                          <p:cTn id="12" fill="hold">
+                            <p:stCondLst>
+                              <p:cond delay="0"/>
+                            </p:stCondLst>
+                            <p:childTnLst>
+                              <p:par>
+                                <p:cTn id="13" presetID="1" presetClass="entr" presetSubtype="0" fill="hold" grpId="0" nodeType="clickEffect">
+                                  <p:stCondLst>
+                                    <p:cond delay="0"/>
+                                  </p:stCondLst>
+                                  <p:childTnLst>
+                                    <p:set>
+                                      <p:cBhvr>
+                                        <p:cTn id="14" dur="1" fill="hold">
+                                          <p:stCondLst>
+                                            <p:cond delay="0"/>
+                                          </p:stCondLst>
+                                        </p:cTn>
+                                        <p:tgtEl>
+                                          <p:spTgt spid="8"/>
+                                        </p:tgtEl>
+                                        <p:attrNameLst>
+                                          <p:attrName>style.visibility</p:attrName>
+                                        </p:attrNameLst>
+                                      </p:cBhvr>
+                                      <p:to>
+                                        <p:strVal val="visible"/>
+                                      </p:to>
+                                    </p:set>
+                                  </p:childTnLst>
+                                </p:cTn>
+                              </p:par>
+                            </p:childTnLst>
+                          </p:cTn>
+                        </p:par>
+                      </p:childTnLst>
+                    </p:cTn>
+                  </p:par>
+                  <p:par>
+                    <p:cTn id="15" fill="hold">
+                      <p:stCondLst>
+                        <p:cond delay="indefinite"/>
+                      </p:stCondLst>
+                      <p:childTnLst>
+                        <p:par>
+                          <p:cTn id="16" fill="hold">
+                            <p:stCondLst>
+                              <p:cond delay="0"/>
+                            </p:stCondLst>
+                            <p:childTnLst>
+                              <p:par>
+                                <p:cTn id="17" presetID="1" presetClass="entr" presetSubtype="0" fill="hold" grpId="0" nodeType="clickEffect">
+                                  <p:stCondLst>
+                                    <p:cond delay="0"/>
+                                  </p:stCondLst>
+                                  <p:childTnLst>
+                                    <p:set>
+                                      <p:cBhvr>
+                                        <p:cTn id="18" dur="1" fill="hold">
+                                          <p:stCondLst>
+                                            <p:cond delay="0"/>
+                                          </p:stCondLst>
+                                        </p:cTn>
+                                        <p:tgtEl>
+                                          <p:spTgt spid="9"/>
+                                        </p:tgtEl>
+                                        <p:attrNameLst>
+                                          <p:attrName>style.visibility</p:attrName>
+                                        </p:attrNameLst>
+                                      </p:cBhvr>
+                                      <p:to>
+                                        <p:strVal val="visible"/>
+                                      </p:to>
+                                    </p:set>
+                                  </p:childTnLst>
+                                </p:cTn>
+                              </p:par>
+                            </p:childTnLst>
+                          </p:cTn>
+                        </p:par>
+                      </p:childTnLst>
+                    </p:cTn>
+                  </p:par>
+                  <p:par>
+                    <p:cTn id="19" fill="hold">
+                      <p:stCondLst>
+                        <p:cond delay="indefinite"/>
+                      </p:stCondLst>
+                      <p:childTnLst>
+                        <p:par>
+                          <p:cTn id="20" fill="hold">
+                            <p:stCondLst>
+                              <p:cond delay="0"/>
+                            </p:stCondLst>
+                            <p:childTnLst>
+                              <p:par>
+                                <p:cTn id="21" presetID="1" presetClass="entr" presetSubtype="0" fill="hold" grpId="0" nodeType="clickEffect">
+                                  <p:stCondLst>
+                                    <p:cond delay="0"/>
+                                  </p:stCondLst>
+                                  <p:childTnLst>
+                                    <p:set>
+                                      <p:cBhvr>
+                                        <p:cTn id="22" dur="1" fill="hold">
+                                          <p:stCondLst>
+                                            <p:cond delay="0"/>
+                                          </p:stCondLst>
+                                        </p:cTn>
+                                        <p:tgtEl>
+                                          <p:spTgt spid="10"/>
+                                        </p:tgtEl>
+                                        <p:attrNameLst>
+                                          <p:attrName>style.visibility</p:attrName>
+                                        </p:attrNameLst>
+                                      </p:cBhvr>
+                                      <p:to>
+                                        <p:strVal val="visible"/>
+                                      </p:to>
+                                    </p:set>
+                                  </p:childTnLst>
+                                </p:cTn>
+                              </p:par>
+                            </p:childTnLst>
+                          </p:cTn>
+                        </p:par>
+                      </p:childTnLst>
+                    </p:cTn>
+                  </p:par>
+                </p:childTnLst>
+              </p:cTn>
+              <p:prevCondLst>
+                <p:cond evt="onPrev" delay="0">
+                  <p:tgtEl>
+                    <p:sldTgt/>
+                  </p:tgtEl>
+                </p:cond>
+              </p:prevCondLst>
+              <p:nextCondLst>
+                <p:cond evt="onNext" delay="0">
+                  <p:tgtEl>
+                    <p:sldTgt/>
+                  </p:tgtEl>
+                </p:cond>
+              </p:nextCondLst>
+            </p:seq>
+          </p:childTnLst>
+        </p:cTn>
+      </p:par>
+    </p:tnLst>
+    <p:bldLst>
+      <p:bldP spid="2" grpId="0"/>
+      <p:bldP spid="7" grpId="0" build="p"/>
+      <p:bldP spid="8" grpId="0"/>
+      <p:bldP spid="9" grpId="0"/>
+      <p:bldP spid="10" grpId="0"/>
+    </p:bldLst>
+  </p:timing>
 </p:sld>
 </file>
 
@@ -5140,6 +5626,226 @@
   <p:clrMapOvr>
     <a:masterClrMapping/>
   </p:clrMapOvr>
+  <p:timing>
+    <p:tnLst>
+      <p:par>
+        <p:cTn id="1" dur="indefinite" restart="never" nodeType="tmRoot">
+          <p:childTnLst>
+            <p:seq concurrent="1" nextAc="seek">
+              <p:cTn id="2" dur="indefinite" nodeType="mainSeq">
+                <p:childTnLst>
+                  <p:par>
+                    <p:cTn id="3" fill="hold">
+                      <p:stCondLst>
+                        <p:cond delay="indefinite"/>
+                      </p:stCondLst>
+                      <p:childTnLst>
+                        <p:par>
+                          <p:cTn id="4" fill="hold">
+                            <p:stCondLst>
+                              <p:cond delay="0"/>
+                            </p:stCondLst>
+                            <p:childTnLst>
+                              <p:par>
+                                <p:cTn id="5" presetID="1" presetClass="entr" presetSubtype="0" fill="hold" grpId="0" nodeType="clickEffect">
+                                  <p:stCondLst>
+                                    <p:cond delay="0"/>
+                                  </p:stCondLst>
+                                  <p:childTnLst>
+                                    <p:set>
+                                      <p:cBhvr>
+                                        <p:cTn id="6" dur="1" fill="hold">
+                                          <p:stCondLst>
+                                            <p:cond delay="0"/>
+                                          </p:stCondLst>
+                                        </p:cTn>
+                                        <p:tgtEl>
+                                          <p:spTgt spid="2"/>
+                                        </p:tgtEl>
+                                        <p:attrNameLst>
+                                          <p:attrName>style.visibility</p:attrName>
+                                        </p:attrNameLst>
+                                      </p:cBhvr>
+                                      <p:to>
+                                        <p:strVal val="visible"/>
+                                      </p:to>
+                                    </p:set>
+                                  </p:childTnLst>
+                                </p:cTn>
+                              </p:par>
+                            </p:childTnLst>
+                          </p:cTn>
+                        </p:par>
+                      </p:childTnLst>
+                    </p:cTn>
+                  </p:par>
+                  <p:par>
+                    <p:cTn id="7" fill="hold">
+                      <p:stCondLst>
+                        <p:cond delay="indefinite"/>
+                      </p:stCondLst>
+                      <p:childTnLst>
+                        <p:par>
+                          <p:cTn id="8" fill="hold">
+                            <p:stCondLst>
+                              <p:cond delay="0"/>
+                            </p:stCondLst>
+                            <p:childTnLst>
+                              <p:par>
+                                <p:cTn id="9" presetID="1" presetClass="entr" presetSubtype="0" fill="hold" grpId="0" nodeType="clickEffect">
+                                  <p:stCondLst>
+                                    <p:cond delay="0"/>
+                                  </p:stCondLst>
+                                  <p:childTnLst>
+                                    <p:set>
+                                      <p:cBhvr>
+                                        <p:cTn id="10" dur="1" fill="hold">
+                                          <p:stCondLst>
+                                            <p:cond delay="0"/>
+                                          </p:stCondLst>
+                                        </p:cTn>
+                                        <p:tgtEl>
+                                          <p:spTgt spid="7">
+                                            <p:txEl>
+                                              <p:pRg st="0" end="0"/>
+                                            </p:txEl>
+                                          </p:spTgt>
+                                        </p:tgtEl>
+                                        <p:attrNameLst>
+                                          <p:attrName>style.visibility</p:attrName>
+                                        </p:attrNameLst>
+                                      </p:cBhvr>
+                                      <p:to>
+                                        <p:strVal val="visible"/>
+                                      </p:to>
+                                    </p:set>
+                                  </p:childTnLst>
+                                </p:cTn>
+                              </p:par>
+                            </p:childTnLst>
+                          </p:cTn>
+                        </p:par>
+                      </p:childTnLst>
+                    </p:cTn>
+                  </p:par>
+                  <p:par>
+                    <p:cTn id="11" fill="hold">
+                      <p:stCondLst>
+                        <p:cond delay="indefinite"/>
+                      </p:stCondLst>
+                      <p:childTnLst>
+                        <p:par>
+                          <p:cTn id="12" fill="hold">
+                            <p:stCondLst>
+                              <p:cond delay="0"/>
+                            </p:stCondLst>
+                            <p:childTnLst>
+                              <p:par>
+                                <p:cTn id="13" presetID="1" presetClass="entr" presetSubtype="0" fill="hold" grpId="0" nodeType="clickEffect">
+                                  <p:stCondLst>
+                                    <p:cond delay="0"/>
+                                  </p:stCondLst>
+                                  <p:childTnLst>
+                                    <p:set>
+                                      <p:cBhvr>
+                                        <p:cTn id="14" dur="1" fill="hold">
+                                          <p:stCondLst>
+                                            <p:cond delay="0"/>
+                                          </p:stCondLst>
+                                        </p:cTn>
+                                        <p:tgtEl>
+                                          <p:spTgt spid="8"/>
+                                        </p:tgtEl>
+                                        <p:attrNameLst>
+                                          <p:attrName>style.visibility</p:attrName>
+                                        </p:attrNameLst>
+                                      </p:cBhvr>
+                                      <p:to>
+                                        <p:strVal val="visible"/>
+                                      </p:to>
+                                    </p:set>
+                                  </p:childTnLst>
+                                </p:cTn>
+                              </p:par>
+                            </p:childTnLst>
+                          </p:cTn>
+                        </p:par>
+                      </p:childTnLst>
+                    </p:cTn>
+                  </p:par>
+                  <p:par>
+                    <p:cTn id="15" fill="hold">
+                      <p:stCondLst>
+                        <p:cond delay="indefinite"/>
+                      </p:stCondLst>
+                      <p:childTnLst>
+                        <p:par>
+                          <p:cTn id="16" fill="hold">
+                            <p:stCondLst>
+                              <p:cond delay="0"/>
+                            </p:stCondLst>
+                            <p:childTnLst>
+                              <p:par>
+                                <p:cTn id="17" presetID="1" presetClass="entr" presetSubtype="0" fill="hold" grpId="0" nodeType="clickEffect">
+                                  <p:stCondLst>
+                                    <p:cond delay="0"/>
+                                  </p:stCondLst>
+                                  <p:childTnLst>
+                                    <p:set>
+                                      <p:cBhvr>
+                                        <p:cTn id="18" dur="1" fill="hold">
+                                          <p:stCondLst>
+                                            <p:cond delay="0"/>
+                                          </p:stCondLst>
+                                        </p:cTn>
+                                        <p:tgtEl>
+                                          <p:spTgt spid="9"/>
+                                        </p:tgtEl>
+                                        <p:attrNameLst>
+                                          <p:attrName>style.visibility</p:attrName>
+                                        </p:attrNameLst>
+                                      </p:cBhvr>
+                                      <p:to>
+                                        <p:strVal val="visible"/>
+                                      </p:to>
+                                    </p:set>
+                                  </p:childTnLst>
+                                </p:cTn>
+                              </p:par>
+                            </p:childTnLst>
+                          </p:cTn>
+                        </p:par>
+                      </p:childTnLst>
+                    </p:cTn>
+                  </p:par>
+                </p:childTnLst>
+              </p:cTn>
+              <p:prevCondLst>
+                <p:cond evt="onPrev" delay="0">
+                  <p:tgtEl>
+                    <p:sldTgt/>
+                  </p:tgtEl>
+                </p:cond>
+              </p:prevCondLst>
+              <p:nextCondLst>
+                <p:cond evt="onNext" delay="0">
+                  <p:tgtEl>
+                    <p:sldTgt/>
+                  </p:tgtEl>
+                </p:cond>
+              </p:nextCondLst>
+            </p:seq>
+          </p:childTnLst>
+        </p:cTn>
+      </p:par>
+    </p:tnLst>
+    <p:bldLst>
+      <p:bldP spid="2" grpId="0"/>
+      <p:bldP spid="7" grpId="0" build="p"/>
+      <p:bldP spid="8" grpId="0"/>
+      <p:bldP spid="9" grpId="0"/>
+    </p:bldLst>
+  </p:timing>
 </p:sld>
 </file>
 
@@ -5843,6 +6549,272 @@
   <p:clrMapOvr>
     <a:masterClrMapping/>
   </p:clrMapOvr>
+  <p:timing>
+    <p:tnLst>
+      <p:par>
+        <p:cTn id="1" dur="indefinite" restart="never" nodeType="tmRoot">
+          <p:childTnLst>
+            <p:seq concurrent="1" nextAc="seek">
+              <p:cTn id="2" dur="indefinite" nodeType="mainSeq">
+                <p:childTnLst>
+                  <p:par>
+                    <p:cTn id="3" fill="hold">
+                      <p:stCondLst>
+                        <p:cond delay="indefinite"/>
+                      </p:stCondLst>
+                      <p:childTnLst>
+                        <p:par>
+                          <p:cTn id="4" fill="hold">
+                            <p:stCondLst>
+                              <p:cond delay="0"/>
+                            </p:stCondLst>
+                            <p:childTnLst>
+                              <p:par>
+                                <p:cTn id="5" presetID="1" presetClass="entr" presetSubtype="0" fill="hold" grpId="0" nodeType="clickEffect">
+                                  <p:stCondLst>
+                                    <p:cond delay="0"/>
+                                  </p:stCondLst>
+                                  <p:childTnLst>
+                                    <p:set>
+                                      <p:cBhvr>
+                                        <p:cTn id="6" dur="1" fill="hold">
+                                          <p:stCondLst>
+                                            <p:cond delay="0"/>
+                                          </p:stCondLst>
+                                        </p:cTn>
+                                        <p:tgtEl>
+                                          <p:spTgt spid="2"/>
+                                        </p:tgtEl>
+                                        <p:attrNameLst>
+                                          <p:attrName>style.visibility</p:attrName>
+                                        </p:attrNameLst>
+                                      </p:cBhvr>
+                                      <p:to>
+                                        <p:strVal val="visible"/>
+                                      </p:to>
+                                    </p:set>
+                                  </p:childTnLst>
+                                </p:cTn>
+                              </p:par>
+                            </p:childTnLst>
+                          </p:cTn>
+                        </p:par>
+                      </p:childTnLst>
+                    </p:cTn>
+                  </p:par>
+                  <p:par>
+                    <p:cTn id="7" fill="hold">
+                      <p:stCondLst>
+                        <p:cond delay="indefinite"/>
+                      </p:stCondLst>
+                      <p:childTnLst>
+                        <p:par>
+                          <p:cTn id="8" fill="hold">
+                            <p:stCondLst>
+                              <p:cond delay="0"/>
+                            </p:stCondLst>
+                            <p:childTnLst>
+                              <p:par>
+                                <p:cTn id="9" presetID="1" presetClass="entr" presetSubtype="0" fill="hold" grpId="0" nodeType="clickEffect">
+                                  <p:stCondLst>
+                                    <p:cond delay="0"/>
+                                  </p:stCondLst>
+                                  <p:childTnLst>
+                                    <p:set>
+                                      <p:cBhvr>
+                                        <p:cTn id="10" dur="1" fill="hold">
+                                          <p:stCondLst>
+                                            <p:cond delay="0"/>
+                                          </p:stCondLst>
+                                        </p:cTn>
+                                        <p:tgtEl>
+                                          <p:spTgt spid="3">
+                                            <p:txEl>
+                                              <p:pRg st="0" end="0"/>
+                                            </p:txEl>
+                                          </p:spTgt>
+                                        </p:tgtEl>
+                                        <p:attrNameLst>
+                                          <p:attrName>style.visibility</p:attrName>
+                                        </p:attrNameLst>
+                                      </p:cBhvr>
+                                      <p:to>
+                                        <p:strVal val="visible"/>
+                                      </p:to>
+                                    </p:set>
+                                  </p:childTnLst>
+                                </p:cTn>
+                              </p:par>
+                            </p:childTnLst>
+                          </p:cTn>
+                        </p:par>
+                      </p:childTnLst>
+                    </p:cTn>
+                  </p:par>
+                  <p:par>
+                    <p:cTn id="11" fill="hold">
+                      <p:stCondLst>
+                        <p:cond delay="indefinite"/>
+                      </p:stCondLst>
+                      <p:childTnLst>
+                        <p:par>
+                          <p:cTn id="12" fill="hold">
+                            <p:stCondLst>
+                              <p:cond delay="0"/>
+                            </p:stCondLst>
+                            <p:childTnLst>
+                              <p:par>
+                                <p:cTn id="13" presetID="1" presetClass="entr" presetSubtype="0" fill="hold" grpId="0" nodeType="clickEffect">
+                                  <p:stCondLst>
+                                    <p:cond delay="0"/>
+                                  </p:stCondLst>
+                                  <p:childTnLst>
+                                    <p:set>
+                                      <p:cBhvr>
+                                        <p:cTn id="14" dur="1" fill="hold">
+                                          <p:stCondLst>
+                                            <p:cond delay="0"/>
+                                          </p:stCondLst>
+                                        </p:cTn>
+                                        <p:tgtEl>
+                                          <p:spTgt spid="4"/>
+                                        </p:tgtEl>
+                                        <p:attrNameLst>
+                                          <p:attrName>style.visibility</p:attrName>
+                                        </p:attrNameLst>
+                                      </p:cBhvr>
+                                      <p:to>
+                                        <p:strVal val="visible"/>
+                                      </p:to>
+                                    </p:set>
+                                  </p:childTnLst>
+                                </p:cTn>
+                              </p:par>
+                            </p:childTnLst>
+                          </p:cTn>
+                        </p:par>
+                      </p:childTnLst>
+                    </p:cTn>
+                  </p:par>
+                  <p:par>
+                    <p:cTn id="15" fill="hold">
+                      <p:stCondLst>
+                        <p:cond delay="indefinite"/>
+                      </p:stCondLst>
+                      <p:childTnLst>
+                        <p:par>
+                          <p:cTn id="16" fill="hold">
+                            <p:stCondLst>
+                              <p:cond delay="0"/>
+                            </p:stCondLst>
+                            <p:childTnLst>
+                              <p:par>
+                                <p:cTn id="17" presetID="1" presetClass="entr" presetSubtype="0" fill="hold" grpId="0" nodeType="clickEffect">
+                                  <p:stCondLst>
+                                    <p:cond delay="0"/>
+                                  </p:stCondLst>
+                                  <p:childTnLst>
+                                    <p:set>
+                                      <p:cBhvr>
+                                        <p:cTn id="18" dur="1" fill="hold">
+                                          <p:stCondLst>
+                                            <p:cond delay="0"/>
+                                          </p:stCondLst>
+                                        </p:cTn>
+                                        <p:tgtEl>
+                                          <p:spTgt spid="5"/>
+                                        </p:tgtEl>
+                                        <p:attrNameLst>
+                                          <p:attrName>style.visibility</p:attrName>
+                                        </p:attrNameLst>
+                                      </p:cBhvr>
+                                      <p:to>
+                                        <p:strVal val="visible"/>
+                                      </p:to>
+                                    </p:set>
+                                  </p:childTnLst>
+                                </p:cTn>
+                              </p:par>
+                            </p:childTnLst>
+                          </p:cTn>
+                        </p:par>
+                      </p:childTnLst>
+                    </p:cTn>
+                  </p:par>
+                  <p:par>
+                    <p:cTn id="19" fill="hold">
+                      <p:stCondLst>
+                        <p:cond delay="indefinite"/>
+                      </p:stCondLst>
+                      <p:childTnLst>
+                        <p:par>
+                          <p:cTn id="20" fill="hold">
+                            <p:stCondLst>
+                              <p:cond delay="0"/>
+                            </p:stCondLst>
+                            <p:childTnLst>
+                              <p:par>
+                                <p:cTn id="21" presetID="1" presetClass="entr" presetSubtype="0" fill="hold" grpId="0" nodeType="clickEffect">
+                                  <p:stCondLst>
+                                    <p:cond delay="0"/>
+                                  </p:stCondLst>
+                                  <p:childTnLst>
+                                    <p:set>
+                                      <p:cBhvr>
+                                        <p:cTn id="22" dur="1" fill="hold">
+                                          <p:stCondLst>
+                                            <p:cond delay="0"/>
+                                          </p:stCondLst>
+                                        </p:cTn>
+                                        <p:tgtEl>
+                                          <p:spTgt spid="6"/>
+                                        </p:tgtEl>
+                                        <p:attrNameLst>
+                                          <p:attrName>style.visibility</p:attrName>
+                                        </p:attrNameLst>
+                                      </p:cBhvr>
+                                      <p:to>
+                                        <p:strVal val="visible"/>
+                                      </p:to>
+                                    </p:set>
+                                  </p:childTnLst>
+                                </p:cTn>
+                              </p:par>
+                            </p:childTnLst>
+                          </p:cTn>
+                        </p:par>
+                      </p:childTnLst>
+                    </p:cTn>
+                  </p:par>
+                </p:childTnLst>
+              </p:cTn>
+              <p:prevCondLst>
+                <p:cond evt="onPrev" delay="0">
+                  <p:tgtEl>
+                    <p:sldTgt/>
+                  </p:tgtEl>
+                </p:cond>
+              </p:prevCondLst>
+              <p:nextCondLst>
+                <p:cond evt="onNext" delay="0">
+                  <p:tgtEl>
+                    <p:sldTgt/>
+                  </p:tgtEl>
+                </p:cond>
+              </p:nextCondLst>
+            </p:seq>
+          </p:childTnLst>
+        </p:cTn>
+      </p:par>
+    </p:tnLst>
+    <p:bldLst>
+      <p:bldP spid="2" grpId="0"/>
+      <p:bldP spid="3" grpId="0" build="p"/>
+      <p:bldP spid="4" grpId="0"/>
+      <p:bldP spid="5" grpId="0"/>
+      <p:bldP spid="6" grpId="0"/>
+    </p:bldLst>
+  </p:timing>
 </p:sld>
 </file>
 
@@ -6744,6 +7716,318 @@
   <p:clrMapOvr>
     <a:masterClrMapping/>
   </p:clrMapOvr>
+  <p:timing>
+    <p:tnLst>
+      <p:par>
+        <p:cTn id="1" dur="indefinite" restart="never" nodeType="tmRoot">
+          <p:childTnLst>
+            <p:seq concurrent="1" nextAc="seek">
+              <p:cTn id="2" dur="indefinite" nodeType="mainSeq">
+                <p:childTnLst>
+                  <p:par>
+                    <p:cTn id="3" fill="hold">
+                      <p:stCondLst>
+                        <p:cond delay="indefinite"/>
+                      </p:stCondLst>
+                      <p:childTnLst>
+                        <p:par>
+                          <p:cTn id="4" fill="hold">
+                            <p:stCondLst>
+                              <p:cond delay="0"/>
+                            </p:stCondLst>
+                            <p:childTnLst>
+                              <p:par>
+                                <p:cTn id="5" presetID="1" presetClass="entr" presetSubtype="0" fill="hold" grpId="0" nodeType="clickEffect">
+                                  <p:stCondLst>
+                                    <p:cond delay="0"/>
+                                  </p:stCondLst>
+                                  <p:childTnLst>
+                                    <p:set>
+                                      <p:cBhvr>
+                                        <p:cTn id="6" dur="1" fill="hold">
+                                          <p:stCondLst>
+                                            <p:cond delay="0"/>
+                                          </p:stCondLst>
+                                        </p:cTn>
+                                        <p:tgtEl>
+                                          <p:spTgt spid="2"/>
+                                        </p:tgtEl>
+                                        <p:attrNameLst>
+                                          <p:attrName>style.visibility</p:attrName>
+                                        </p:attrNameLst>
+                                      </p:cBhvr>
+                                      <p:to>
+                                        <p:strVal val="visible"/>
+                                      </p:to>
+                                    </p:set>
+                                  </p:childTnLst>
+                                </p:cTn>
+                              </p:par>
+                            </p:childTnLst>
+                          </p:cTn>
+                        </p:par>
+                      </p:childTnLst>
+                    </p:cTn>
+                  </p:par>
+                  <p:par>
+                    <p:cTn id="7" fill="hold">
+                      <p:stCondLst>
+                        <p:cond delay="indefinite"/>
+                      </p:stCondLst>
+                      <p:childTnLst>
+                        <p:par>
+                          <p:cTn id="8" fill="hold">
+                            <p:stCondLst>
+                              <p:cond delay="0"/>
+                            </p:stCondLst>
+                            <p:childTnLst>
+                              <p:par>
+                                <p:cTn id="9" presetID="1" presetClass="entr" presetSubtype="0" fill="hold" grpId="0" nodeType="clickEffect">
+                                  <p:stCondLst>
+                                    <p:cond delay="0"/>
+                                  </p:stCondLst>
+                                  <p:childTnLst>
+                                    <p:set>
+                                      <p:cBhvr>
+                                        <p:cTn id="10" dur="1" fill="hold">
+                                          <p:stCondLst>
+                                            <p:cond delay="0"/>
+                                          </p:stCondLst>
+                                        </p:cTn>
+                                        <p:tgtEl>
+                                          <p:spTgt spid="3">
+                                            <p:txEl>
+                                              <p:pRg st="0" end="0"/>
+                                            </p:txEl>
+                                          </p:spTgt>
+                                        </p:tgtEl>
+                                        <p:attrNameLst>
+                                          <p:attrName>style.visibility</p:attrName>
+                                        </p:attrNameLst>
+                                      </p:cBhvr>
+                                      <p:to>
+                                        <p:strVal val="visible"/>
+                                      </p:to>
+                                    </p:set>
+                                  </p:childTnLst>
+                                </p:cTn>
+                              </p:par>
+                            </p:childTnLst>
+                          </p:cTn>
+                        </p:par>
+                      </p:childTnLst>
+                    </p:cTn>
+                  </p:par>
+                  <p:par>
+                    <p:cTn id="11" fill="hold">
+                      <p:stCondLst>
+                        <p:cond delay="indefinite"/>
+                      </p:stCondLst>
+                      <p:childTnLst>
+                        <p:par>
+                          <p:cTn id="12" fill="hold">
+                            <p:stCondLst>
+                              <p:cond delay="0"/>
+                            </p:stCondLst>
+                            <p:childTnLst>
+                              <p:par>
+                                <p:cTn id="13" presetID="1" presetClass="entr" presetSubtype="0" fill="hold" grpId="0" nodeType="clickEffect">
+                                  <p:stCondLst>
+                                    <p:cond delay="0"/>
+                                  </p:stCondLst>
+                                  <p:childTnLst>
+                                    <p:set>
+                                      <p:cBhvr>
+                                        <p:cTn id="14" dur="1" fill="hold">
+                                          <p:stCondLst>
+                                            <p:cond delay="0"/>
+                                          </p:stCondLst>
+                                        </p:cTn>
+                                        <p:tgtEl>
+                                          <p:spTgt spid="8"/>
+                                        </p:tgtEl>
+                                        <p:attrNameLst>
+                                          <p:attrName>style.visibility</p:attrName>
+                                        </p:attrNameLst>
+                                      </p:cBhvr>
+                                      <p:to>
+                                        <p:strVal val="visible"/>
+                                      </p:to>
+                                    </p:set>
+                                  </p:childTnLst>
+                                </p:cTn>
+                              </p:par>
+                            </p:childTnLst>
+                          </p:cTn>
+                        </p:par>
+                      </p:childTnLst>
+                    </p:cTn>
+                  </p:par>
+                  <p:par>
+                    <p:cTn id="15" fill="hold">
+                      <p:stCondLst>
+                        <p:cond delay="indefinite"/>
+                      </p:stCondLst>
+                      <p:childTnLst>
+                        <p:par>
+                          <p:cTn id="16" fill="hold">
+                            <p:stCondLst>
+                              <p:cond delay="0"/>
+                            </p:stCondLst>
+                            <p:childTnLst>
+                              <p:par>
+                                <p:cTn id="17" presetID="1" presetClass="entr" presetSubtype="0" fill="hold" grpId="0" nodeType="clickEffect">
+                                  <p:stCondLst>
+                                    <p:cond delay="0"/>
+                                  </p:stCondLst>
+                                  <p:childTnLst>
+                                    <p:set>
+                                      <p:cBhvr>
+                                        <p:cTn id="18" dur="1" fill="hold">
+                                          <p:stCondLst>
+                                            <p:cond delay="0"/>
+                                          </p:stCondLst>
+                                        </p:cTn>
+                                        <p:tgtEl>
+                                          <p:spTgt spid="4"/>
+                                        </p:tgtEl>
+                                        <p:attrNameLst>
+                                          <p:attrName>style.visibility</p:attrName>
+                                        </p:attrNameLst>
+                                      </p:cBhvr>
+                                      <p:to>
+                                        <p:strVal val="visible"/>
+                                      </p:to>
+                                    </p:set>
+                                  </p:childTnLst>
+                                </p:cTn>
+                              </p:par>
+                            </p:childTnLst>
+                          </p:cTn>
+                        </p:par>
+                      </p:childTnLst>
+                    </p:cTn>
+                  </p:par>
+                  <p:par>
+                    <p:cTn id="19" fill="hold">
+                      <p:stCondLst>
+                        <p:cond delay="indefinite"/>
+                      </p:stCondLst>
+                      <p:childTnLst>
+                        <p:par>
+                          <p:cTn id="20" fill="hold">
+                            <p:stCondLst>
+                              <p:cond delay="0"/>
+                            </p:stCondLst>
+                            <p:childTnLst>
+                              <p:par>
+                                <p:cTn id="21" presetID="1" presetClass="entr" presetSubtype="0" fill="hold" grpId="0" nodeType="clickEffect">
+                                  <p:stCondLst>
+                                    <p:cond delay="0"/>
+                                  </p:stCondLst>
+                                  <p:childTnLst>
+                                    <p:set>
+                                      <p:cBhvr>
+                                        <p:cTn id="22" dur="1" fill="hold">
+                                          <p:stCondLst>
+                                            <p:cond delay="0"/>
+                                          </p:stCondLst>
+                                        </p:cTn>
+                                        <p:tgtEl>
+                                          <p:spTgt spid="5"/>
+                                        </p:tgtEl>
+                                        <p:attrNameLst>
+                                          <p:attrName>style.visibility</p:attrName>
+                                        </p:attrNameLst>
+                                      </p:cBhvr>
+                                      <p:to>
+                                        <p:strVal val="visible"/>
+                                      </p:to>
+                                    </p:set>
+                                  </p:childTnLst>
+                                </p:cTn>
+                              </p:par>
+                            </p:childTnLst>
+                          </p:cTn>
+                        </p:par>
+                      </p:childTnLst>
+                    </p:cTn>
+                  </p:par>
+                  <p:par>
+                    <p:cTn id="23" fill="hold">
+                      <p:stCondLst>
+                        <p:cond delay="indefinite"/>
+                      </p:stCondLst>
+                      <p:childTnLst>
+                        <p:par>
+                          <p:cTn id="24" fill="hold">
+                            <p:stCondLst>
+                              <p:cond delay="0"/>
+                            </p:stCondLst>
+                            <p:childTnLst>
+                              <p:par>
+                                <p:cTn id="25" presetID="1" presetClass="entr" presetSubtype="0" fill="hold" grpId="0" nodeType="clickEffect">
+                                  <p:stCondLst>
+                                    <p:cond delay="0"/>
+                                  </p:stCondLst>
+                                  <p:childTnLst>
+                                    <p:set>
+                                      <p:cBhvr>
+                                        <p:cTn id="26" dur="1" fill="hold">
+                                          <p:stCondLst>
+                                            <p:cond delay="0"/>
+                                          </p:stCondLst>
+                                        </p:cTn>
+                                        <p:tgtEl>
+                                          <p:spTgt spid="6"/>
+                                        </p:tgtEl>
+                                        <p:attrNameLst>
+                                          <p:attrName>style.visibility</p:attrName>
+                                        </p:attrNameLst>
+                                      </p:cBhvr>
+                                      <p:to>
+                                        <p:strVal val="visible"/>
+                                      </p:to>
+                                    </p:set>
+                                  </p:childTnLst>
+                                </p:cTn>
+                              </p:par>
+                            </p:childTnLst>
+                          </p:cTn>
+                        </p:par>
+                      </p:childTnLst>
+                    </p:cTn>
+                  </p:par>
+                </p:childTnLst>
+              </p:cTn>
+              <p:prevCondLst>
+                <p:cond evt="onPrev" delay="0">
+                  <p:tgtEl>
+                    <p:sldTgt/>
+                  </p:tgtEl>
+                </p:cond>
+              </p:prevCondLst>
+              <p:nextCondLst>
+                <p:cond evt="onNext" delay="0">
+                  <p:tgtEl>
+                    <p:sldTgt/>
+                  </p:tgtEl>
+                </p:cond>
+              </p:nextCondLst>
+            </p:seq>
+          </p:childTnLst>
+        </p:cTn>
+      </p:par>
+    </p:tnLst>
+    <p:bldLst>
+      <p:bldP spid="2" grpId="0"/>
+      <p:bldP spid="3" grpId="0" build="p"/>
+      <p:bldP spid="8" grpId="0"/>
+      <p:bldP spid="4" grpId="0"/>
+      <p:bldP spid="5" grpId="0"/>
+      <p:bldP spid="6" grpId="0"/>
+    </p:bldLst>
+  </p:timing>
 </p:sld>
 </file>
 
@@ -7625,6 +8909,268 @@
   <p:clrMapOvr>
     <a:masterClrMapping/>
   </p:clrMapOvr>
+  <p:timing>
+    <p:tnLst>
+      <p:par>
+        <p:cTn id="1" dur="indefinite" restart="never" nodeType="tmRoot">
+          <p:childTnLst>
+            <p:seq concurrent="1" nextAc="seek">
+              <p:cTn id="2" dur="indefinite" nodeType="mainSeq">
+                <p:childTnLst>
+                  <p:par>
+                    <p:cTn id="3" fill="hold">
+                      <p:stCondLst>
+                        <p:cond delay="indefinite"/>
+                      </p:stCondLst>
+                      <p:childTnLst>
+                        <p:par>
+                          <p:cTn id="4" fill="hold">
+                            <p:stCondLst>
+                              <p:cond delay="0"/>
+                            </p:stCondLst>
+                            <p:childTnLst>
+                              <p:par>
+                                <p:cTn id="5" presetID="1" presetClass="entr" presetSubtype="0" fill="hold" grpId="0" nodeType="clickEffect">
+                                  <p:stCondLst>
+                                    <p:cond delay="0"/>
+                                  </p:stCondLst>
+                                  <p:childTnLst>
+                                    <p:set>
+                                      <p:cBhvr>
+                                        <p:cTn id="6" dur="1" fill="hold">
+                                          <p:stCondLst>
+                                            <p:cond delay="0"/>
+                                          </p:stCondLst>
+                                        </p:cTn>
+                                        <p:tgtEl>
+                                          <p:spTgt spid="2"/>
+                                        </p:tgtEl>
+                                        <p:attrNameLst>
+                                          <p:attrName>style.visibility</p:attrName>
+                                        </p:attrNameLst>
+                                      </p:cBhvr>
+                                      <p:to>
+                                        <p:strVal val="visible"/>
+                                      </p:to>
+                                    </p:set>
+                                  </p:childTnLst>
+                                </p:cTn>
+                              </p:par>
+                            </p:childTnLst>
+                          </p:cTn>
+                        </p:par>
+                      </p:childTnLst>
+                    </p:cTn>
+                  </p:par>
+                  <p:par>
+                    <p:cTn id="7" fill="hold">
+                      <p:stCondLst>
+                        <p:cond delay="indefinite"/>
+                      </p:stCondLst>
+                      <p:childTnLst>
+                        <p:par>
+                          <p:cTn id="8" fill="hold">
+                            <p:stCondLst>
+                              <p:cond delay="0"/>
+                            </p:stCondLst>
+                            <p:childTnLst>
+                              <p:par>
+                                <p:cTn id="9" presetID="1" presetClass="entr" presetSubtype="0" fill="hold" grpId="0" nodeType="clickEffect">
+                                  <p:stCondLst>
+                                    <p:cond delay="0"/>
+                                  </p:stCondLst>
+                                  <p:childTnLst>
+                                    <p:set>
+                                      <p:cBhvr>
+                                        <p:cTn id="10" dur="1" fill="hold">
+                                          <p:stCondLst>
+                                            <p:cond delay="0"/>
+                                          </p:stCondLst>
+                                        </p:cTn>
+                                        <p:tgtEl>
+                                          <p:spTgt spid="5"/>
+                                        </p:tgtEl>
+                                        <p:attrNameLst>
+                                          <p:attrName>style.visibility</p:attrName>
+                                        </p:attrNameLst>
+                                      </p:cBhvr>
+                                      <p:to>
+                                        <p:strVal val="visible"/>
+                                      </p:to>
+                                    </p:set>
+                                  </p:childTnLst>
+                                </p:cTn>
+                              </p:par>
+                            </p:childTnLst>
+                          </p:cTn>
+                        </p:par>
+                      </p:childTnLst>
+                    </p:cTn>
+                  </p:par>
+                  <p:par>
+                    <p:cTn id="11" fill="hold">
+                      <p:stCondLst>
+                        <p:cond delay="indefinite"/>
+                      </p:stCondLst>
+                      <p:childTnLst>
+                        <p:par>
+                          <p:cTn id="12" fill="hold">
+                            <p:stCondLst>
+                              <p:cond delay="0"/>
+                            </p:stCondLst>
+                            <p:childTnLst>
+                              <p:par>
+                                <p:cTn id="13" presetID="1" presetClass="entr" presetSubtype="0" fill="hold" grpId="0" nodeType="clickEffect">
+                                  <p:stCondLst>
+                                    <p:cond delay="0"/>
+                                  </p:stCondLst>
+                                  <p:childTnLst>
+                                    <p:set>
+                                      <p:cBhvr>
+                                        <p:cTn id="14" dur="1" fill="hold">
+                                          <p:stCondLst>
+                                            <p:cond delay="0"/>
+                                          </p:stCondLst>
+                                        </p:cTn>
+                                        <p:tgtEl>
+                                          <p:spTgt spid="10"/>
+                                        </p:tgtEl>
+                                        <p:attrNameLst>
+                                          <p:attrName>style.visibility</p:attrName>
+                                        </p:attrNameLst>
+                                      </p:cBhvr>
+                                      <p:to>
+                                        <p:strVal val="visible"/>
+                                      </p:to>
+                                    </p:set>
+                                  </p:childTnLst>
+                                </p:cTn>
+                              </p:par>
+                            </p:childTnLst>
+                          </p:cTn>
+                        </p:par>
+                      </p:childTnLst>
+                    </p:cTn>
+                  </p:par>
+                  <p:par>
+                    <p:cTn id="15" fill="hold">
+                      <p:stCondLst>
+                        <p:cond delay="indefinite"/>
+                      </p:stCondLst>
+                      <p:childTnLst>
+                        <p:par>
+                          <p:cTn id="16" fill="hold">
+                            <p:stCondLst>
+                              <p:cond delay="0"/>
+                            </p:stCondLst>
+                            <p:childTnLst>
+                              <p:par>
+                                <p:cTn id="17" presetID="1" presetClass="entr" presetSubtype="0" fill="hold" grpId="0" nodeType="clickEffect">
+                                  <p:stCondLst>
+                                    <p:cond delay="0"/>
+                                  </p:stCondLst>
+                                  <p:childTnLst>
+                                    <p:set>
+                                      <p:cBhvr>
+                                        <p:cTn id="18" dur="1" fill="hold">
+                                          <p:stCondLst>
+                                            <p:cond delay="0"/>
+                                          </p:stCondLst>
+                                        </p:cTn>
+                                        <p:tgtEl>
+                                          <p:spTgt spid="3"/>
+                                        </p:tgtEl>
+                                        <p:attrNameLst>
+                                          <p:attrName>style.visibility</p:attrName>
+                                        </p:attrNameLst>
+                                      </p:cBhvr>
+                                      <p:to>
+                                        <p:strVal val="visible"/>
+                                      </p:to>
+                                    </p:set>
+                                  </p:childTnLst>
+                                </p:cTn>
+                              </p:par>
+                            </p:childTnLst>
+                          </p:cTn>
+                        </p:par>
+                      </p:childTnLst>
+                    </p:cTn>
+                  </p:par>
+                  <p:par>
+                    <p:cTn id="19" fill="hold">
+                      <p:stCondLst>
+                        <p:cond delay="indefinite"/>
+                      </p:stCondLst>
+                      <p:childTnLst>
+                        <p:par>
+                          <p:cTn id="20" fill="hold">
+                            <p:stCondLst>
+                              <p:cond delay="0"/>
+                            </p:stCondLst>
+                            <p:childTnLst>
+                              <p:par>
+                                <p:cTn id="21" presetID="1" presetClass="entr" presetSubtype="0" fill="hold" grpId="0" nodeType="clickEffect">
+                                  <p:stCondLst>
+                                    <p:cond delay="0"/>
+                                  </p:stCondLst>
+                                  <p:childTnLst>
+                                    <p:set>
+                                      <p:cBhvr>
+                                        <p:cTn id="22" dur="1" fill="hold">
+                                          <p:stCondLst>
+                                            <p:cond delay="0"/>
+                                          </p:stCondLst>
+                                        </p:cTn>
+                                        <p:tgtEl>
+                                          <p:spTgt spid="4"/>
+                                        </p:tgtEl>
+                                        <p:attrNameLst>
+                                          <p:attrName>style.visibility</p:attrName>
+                                        </p:attrNameLst>
+                                      </p:cBhvr>
+                                      <p:to>
+                                        <p:strVal val="visible"/>
+                                      </p:to>
+                                    </p:set>
+                                  </p:childTnLst>
+                                </p:cTn>
+                              </p:par>
+                            </p:childTnLst>
+                          </p:cTn>
+                        </p:par>
+                      </p:childTnLst>
+                    </p:cTn>
+                  </p:par>
+                </p:childTnLst>
+              </p:cTn>
+              <p:prevCondLst>
+                <p:cond evt="onPrev" delay="0">
+                  <p:tgtEl>
+                    <p:sldTgt/>
+                  </p:tgtEl>
+                </p:cond>
+              </p:prevCondLst>
+              <p:nextCondLst>
+                <p:cond evt="onNext" delay="0">
+                  <p:tgtEl>
+                    <p:sldTgt/>
+                  </p:tgtEl>
+                </p:cond>
+              </p:nextCondLst>
+            </p:seq>
+          </p:childTnLst>
+        </p:cTn>
+      </p:par>
+    </p:tnLst>
+    <p:bldLst>
+      <p:bldP spid="2" grpId="0"/>
+      <p:bldP spid="5" grpId="0"/>
+      <p:bldP spid="10" grpId="0"/>
+      <p:bldP spid="3" grpId="0"/>
+      <p:bldP spid="4" grpId="0"/>
+    </p:bldLst>
+  </p:timing>
 </p:sld>
 </file>
 
@@ -7790,6 +9336,174 @@
   <p:clrMapOvr>
     <a:masterClrMapping/>
   </p:clrMapOvr>
+  <p:timing>
+    <p:tnLst>
+      <p:par>
+        <p:cTn id="1" dur="indefinite" restart="never" nodeType="tmRoot">
+          <p:childTnLst>
+            <p:seq concurrent="1" nextAc="seek">
+              <p:cTn id="2" dur="indefinite" nodeType="mainSeq">
+                <p:childTnLst>
+                  <p:par>
+                    <p:cTn id="3" fill="hold">
+                      <p:stCondLst>
+                        <p:cond delay="indefinite"/>
+                      </p:stCondLst>
+                      <p:childTnLst>
+                        <p:par>
+                          <p:cTn id="4" fill="hold">
+                            <p:stCondLst>
+                              <p:cond delay="0"/>
+                            </p:stCondLst>
+                            <p:childTnLst>
+                              <p:par>
+                                <p:cTn id="5" presetID="1" presetClass="entr" presetSubtype="0" fill="hold" grpId="0" nodeType="clickEffect">
+                                  <p:stCondLst>
+                                    <p:cond delay="0"/>
+                                  </p:stCondLst>
+                                  <p:childTnLst>
+                                    <p:set>
+                                      <p:cBhvr>
+                                        <p:cTn id="6" dur="1" fill="hold">
+                                          <p:stCondLst>
+                                            <p:cond delay="0"/>
+                                          </p:stCondLst>
+                                        </p:cTn>
+                                        <p:tgtEl>
+                                          <p:spTgt spid="4"/>
+                                        </p:tgtEl>
+                                        <p:attrNameLst>
+                                          <p:attrName>style.visibility</p:attrName>
+                                        </p:attrNameLst>
+                                      </p:cBhvr>
+                                      <p:to>
+                                        <p:strVal val="visible"/>
+                                      </p:to>
+                                    </p:set>
+                                  </p:childTnLst>
+                                </p:cTn>
+                              </p:par>
+                            </p:childTnLst>
+                          </p:cTn>
+                        </p:par>
+                      </p:childTnLst>
+                    </p:cTn>
+                  </p:par>
+                  <p:par>
+                    <p:cTn id="7" fill="hold">
+                      <p:stCondLst>
+                        <p:cond delay="indefinite"/>
+                      </p:stCondLst>
+                      <p:childTnLst>
+                        <p:par>
+                          <p:cTn id="8" fill="hold">
+                            <p:stCondLst>
+                              <p:cond delay="0"/>
+                            </p:stCondLst>
+                            <p:childTnLst>
+                              <p:par>
+                                <p:cTn id="9" presetID="1" presetClass="entr" presetSubtype="0" fill="hold" nodeType="clickEffect">
+                                  <p:stCondLst>
+                                    <p:cond delay="0"/>
+                                  </p:stCondLst>
+                                  <p:childTnLst>
+                                    <p:set>
+                                      <p:cBhvr>
+                                        <p:cTn id="10" dur="1" fill="hold">
+                                          <p:stCondLst>
+                                            <p:cond delay="0"/>
+                                          </p:stCondLst>
+                                        </p:cTn>
+                                        <p:tgtEl>
+                                          <p:spTgt spid="6"/>
+                                        </p:tgtEl>
+                                        <p:attrNameLst>
+                                          <p:attrName>style.visibility</p:attrName>
+                                        </p:attrNameLst>
+                                      </p:cBhvr>
+                                      <p:to>
+                                        <p:strVal val="visible"/>
+                                      </p:to>
+                                    </p:set>
+                                  </p:childTnLst>
+                                </p:cTn>
+                              </p:par>
+                            </p:childTnLst>
+                          </p:cTn>
+                        </p:par>
+                      </p:childTnLst>
+                    </p:cTn>
+                  </p:par>
+                  <p:par>
+                    <p:cTn id="11" fill="hold">
+                      <p:stCondLst>
+                        <p:cond delay="indefinite"/>
+                      </p:stCondLst>
+                      <p:childTnLst>
+                        <p:par>
+                          <p:cTn id="12" fill="hold">
+                            <p:stCondLst>
+                              <p:cond delay="0"/>
+                            </p:stCondLst>
+                            <p:childTnLst>
+                              <p:par>
+                                <p:cTn id="13" presetID="1" presetClass="entr" presetSubtype="0" fill="hold" nodeType="clickEffect">
+                                  <p:stCondLst>
+                                    <p:cond delay="0"/>
+                                  </p:stCondLst>
+                                  <p:childTnLst>
+                                    <p:set>
+                                      <p:cBhvr>
+                                        <p:cTn id="14" dur="1" fill="hold">
+                                          <p:stCondLst>
+                                            <p:cond delay="0"/>
+                                          </p:stCondLst>
+                                        </p:cTn>
+                                        <p:tgtEl>
+                                          <p:spTgt spid="8"/>
+                                        </p:tgtEl>
+                                        <p:attrNameLst>
+                                          <p:attrName>style.visibility</p:attrName>
+                                        </p:attrNameLst>
+                                      </p:cBhvr>
+                                      <p:to>
+                                        <p:strVal val="visible"/>
+                                      </p:to>
+                                    </p:set>
+                                  </p:childTnLst>
+                                </p:cTn>
+                              </p:par>
+                            </p:childTnLst>
+                          </p:cTn>
+                        </p:par>
+                      </p:childTnLst>
+                    </p:cTn>
+                  </p:par>
+                </p:childTnLst>
+              </p:cTn>
+              <p:prevCondLst>
+                <p:cond evt="onPrev" delay="0">
+                  <p:tgtEl>
+                    <p:sldTgt/>
+                  </p:tgtEl>
+                </p:cond>
+              </p:prevCondLst>
+              <p:nextCondLst>
+                <p:cond evt="onNext" delay="0">
+                  <p:tgtEl>
+                    <p:sldTgt/>
+                  </p:tgtEl>
+                </p:cond>
+              </p:nextCondLst>
+            </p:seq>
+          </p:childTnLst>
+        </p:cTn>
+      </p:par>
+    </p:tnLst>
+    <p:bldLst>
+      <p:bldP spid="4" grpId="0"/>
+    </p:bldLst>
+  </p:timing>
 </p:sld>
 </file>
 
@@ -8663,6 +10377,268 @@
   <p:clrMapOvr>
     <a:masterClrMapping/>
   </p:clrMapOvr>
+  <p:timing>
+    <p:tnLst>
+      <p:par>
+        <p:cTn id="1" dur="indefinite" restart="never" nodeType="tmRoot">
+          <p:childTnLst>
+            <p:seq concurrent="1" nextAc="seek">
+              <p:cTn id="2" dur="indefinite" nodeType="mainSeq">
+                <p:childTnLst>
+                  <p:par>
+                    <p:cTn id="3" fill="hold">
+                      <p:stCondLst>
+                        <p:cond delay="indefinite"/>
+                      </p:stCondLst>
+                      <p:childTnLst>
+                        <p:par>
+                          <p:cTn id="4" fill="hold">
+                            <p:stCondLst>
+                              <p:cond delay="0"/>
+                            </p:stCondLst>
+                            <p:childTnLst>
+                              <p:par>
+                                <p:cTn id="5" presetID="1" presetClass="entr" presetSubtype="0" fill="hold" grpId="0" nodeType="clickEffect">
+                                  <p:stCondLst>
+                                    <p:cond delay="0"/>
+                                  </p:stCondLst>
+                                  <p:childTnLst>
+                                    <p:set>
+                                      <p:cBhvr>
+                                        <p:cTn id="6" dur="1" fill="hold">
+                                          <p:stCondLst>
+                                            <p:cond delay="0"/>
+                                          </p:stCondLst>
+                                        </p:cTn>
+                                        <p:tgtEl>
+                                          <p:spTgt spid="2"/>
+                                        </p:tgtEl>
+                                        <p:attrNameLst>
+                                          <p:attrName>style.visibility</p:attrName>
+                                        </p:attrNameLst>
+                                      </p:cBhvr>
+                                      <p:to>
+                                        <p:strVal val="visible"/>
+                                      </p:to>
+                                    </p:set>
+                                  </p:childTnLst>
+                                </p:cTn>
+                              </p:par>
+                            </p:childTnLst>
+                          </p:cTn>
+                        </p:par>
+                      </p:childTnLst>
+                    </p:cTn>
+                  </p:par>
+                  <p:par>
+                    <p:cTn id="7" fill="hold">
+                      <p:stCondLst>
+                        <p:cond delay="indefinite"/>
+                      </p:stCondLst>
+                      <p:childTnLst>
+                        <p:par>
+                          <p:cTn id="8" fill="hold">
+                            <p:stCondLst>
+                              <p:cond delay="0"/>
+                            </p:stCondLst>
+                            <p:childTnLst>
+                              <p:par>
+                                <p:cTn id="9" presetID="1" presetClass="entr" presetSubtype="0" fill="hold" grpId="0" nodeType="clickEffect">
+                                  <p:stCondLst>
+                                    <p:cond delay="0"/>
+                                  </p:stCondLst>
+                                  <p:childTnLst>
+                                    <p:set>
+                                      <p:cBhvr>
+                                        <p:cTn id="10" dur="1" fill="hold">
+                                          <p:stCondLst>
+                                            <p:cond delay="0"/>
+                                          </p:stCondLst>
+                                        </p:cTn>
+                                        <p:tgtEl>
+                                          <p:spTgt spid="5"/>
+                                        </p:tgtEl>
+                                        <p:attrNameLst>
+                                          <p:attrName>style.visibility</p:attrName>
+                                        </p:attrNameLst>
+                                      </p:cBhvr>
+                                      <p:to>
+                                        <p:strVal val="visible"/>
+                                      </p:to>
+                                    </p:set>
+                                  </p:childTnLst>
+                                </p:cTn>
+                              </p:par>
+                            </p:childTnLst>
+                          </p:cTn>
+                        </p:par>
+                      </p:childTnLst>
+                    </p:cTn>
+                  </p:par>
+                  <p:par>
+                    <p:cTn id="11" fill="hold">
+                      <p:stCondLst>
+                        <p:cond delay="indefinite"/>
+                      </p:stCondLst>
+                      <p:childTnLst>
+                        <p:par>
+                          <p:cTn id="12" fill="hold">
+                            <p:stCondLst>
+                              <p:cond delay="0"/>
+                            </p:stCondLst>
+                            <p:childTnLst>
+                              <p:par>
+                                <p:cTn id="13" presetID="1" presetClass="entr" presetSubtype="0" fill="hold" grpId="0" nodeType="clickEffect">
+                                  <p:stCondLst>
+                                    <p:cond delay="0"/>
+                                  </p:stCondLst>
+                                  <p:childTnLst>
+                                    <p:set>
+                                      <p:cBhvr>
+                                        <p:cTn id="14" dur="1" fill="hold">
+                                          <p:stCondLst>
+                                            <p:cond delay="0"/>
+                                          </p:stCondLst>
+                                        </p:cTn>
+                                        <p:tgtEl>
+                                          <p:spTgt spid="3"/>
+                                        </p:tgtEl>
+                                        <p:attrNameLst>
+                                          <p:attrName>style.visibility</p:attrName>
+                                        </p:attrNameLst>
+                                      </p:cBhvr>
+                                      <p:to>
+                                        <p:strVal val="visible"/>
+                                      </p:to>
+                                    </p:set>
+                                  </p:childTnLst>
+                                </p:cTn>
+                              </p:par>
+                            </p:childTnLst>
+                          </p:cTn>
+                        </p:par>
+                      </p:childTnLst>
+                    </p:cTn>
+                  </p:par>
+                  <p:par>
+                    <p:cTn id="15" fill="hold">
+                      <p:stCondLst>
+                        <p:cond delay="indefinite"/>
+                      </p:stCondLst>
+                      <p:childTnLst>
+                        <p:par>
+                          <p:cTn id="16" fill="hold">
+                            <p:stCondLst>
+                              <p:cond delay="0"/>
+                            </p:stCondLst>
+                            <p:childTnLst>
+                              <p:par>
+                                <p:cTn id="17" presetID="1" presetClass="entr" presetSubtype="0" fill="hold" grpId="0" nodeType="clickEffect">
+                                  <p:stCondLst>
+                                    <p:cond delay="0"/>
+                                  </p:stCondLst>
+                                  <p:childTnLst>
+                                    <p:set>
+                                      <p:cBhvr>
+                                        <p:cTn id="18" dur="1" fill="hold">
+                                          <p:stCondLst>
+                                            <p:cond delay="0"/>
+                                          </p:stCondLst>
+                                        </p:cTn>
+                                        <p:tgtEl>
+                                          <p:spTgt spid="4"/>
+                                        </p:tgtEl>
+                                        <p:attrNameLst>
+                                          <p:attrName>style.visibility</p:attrName>
+                                        </p:attrNameLst>
+                                      </p:cBhvr>
+                                      <p:to>
+                                        <p:strVal val="visible"/>
+                                      </p:to>
+                                    </p:set>
+                                  </p:childTnLst>
+                                </p:cTn>
+                              </p:par>
+                            </p:childTnLst>
+                          </p:cTn>
+                        </p:par>
+                      </p:childTnLst>
+                    </p:cTn>
+                  </p:par>
+                  <p:par>
+                    <p:cTn id="19" fill="hold">
+                      <p:stCondLst>
+                        <p:cond delay="indefinite"/>
+                      </p:stCondLst>
+                      <p:childTnLst>
+                        <p:par>
+                          <p:cTn id="20" fill="hold">
+                            <p:stCondLst>
+                              <p:cond delay="0"/>
+                            </p:stCondLst>
+                            <p:childTnLst>
+                              <p:par>
+                                <p:cTn id="21" presetID="1" presetClass="entr" presetSubtype="0" fill="hold" grpId="0" nodeType="clickEffect">
+                                  <p:stCondLst>
+                                    <p:cond delay="0"/>
+                                  </p:stCondLst>
+                                  <p:childTnLst>
+                                    <p:set>
+                                      <p:cBhvr>
+                                        <p:cTn id="22" dur="1" fill="hold">
+                                          <p:stCondLst>
+                                            <p:cond delay="0"/>
+                                          </p:stCondLst>
+                                        </p:cTn>
+                                        <p:tgtEl>
+                                          <p:spTgt spid="6"/>
+                                        </p:tgtEl>
+                                        <p:attrNameLst>
+                                          <p:attrName>style.visibility</p:attrName>
+                                        </p:attrNameLst>
+                                      </p:cBhvr>
+                                      <p:to>
+                                        <p:strVal val="visible"/>
+                                      </p:to>
+                                    </p:set>
+                                  </p:childTnLst>
+                                </p:cTn>
+                              </p:par>
+                            </p:childTnLst>
+                          </p:cTn>
+                        </p:par>
+                      </p:childTnLst>
+                    </p:cTn>
+                  </p:par>
+                </p:childTnLst>
+              </p:cTn>
+              <p:prevCondLst>
+                <p:cond evt="onPrev" delay="0">
+                  <p:tgtEl>
+                    <p:sldTgt/>
+                  </p:tgtEl>
+                </p:cond>
+              </p:prevCondLst>
+              <p:nextCondLst>
+                <p:cond evt="onNext" delay="0">
+                  <p:tgtEl>
+                    <p:sldTgt/>
+                  </p:tgtEl>
+                </p:cond>
+              </p:nextCondLst>
+            </p:seq>
+          </p:childTnLst>
+        </p:cTn>
+      </p:par>
+    </p:tnLst>
+    <p:bldLst>
+      <p:bldP spid="2" grpId="0"/>
+      <p:bldP spid="5" grpId="0"/>
+      <p:bldP spid="3" grpId="0"/>
+      <p:bldP spid="4" grpId="0"/>
+      <p:bldP spid="6" grpId="0"/>
+    </p:bldLst>
+  </p:timing>
 </p:sld>
 </file>
 
@@ -9528,6 +11504,268 @@
   <p:clrMapOvr>
     <a:masterClrMapping/>
   </p:clrMapOvr>
+  <p:timing>
+    <p:tnLst>
+      <p:par>
+        <p:cTn id="1" dur="indefinite" restart="never" nodeType="tmRoot">
+          <p:childTnLst>
+            <p:seq concurrent="1" nextAc="seek">
+              <p:cTn id="2" dur="indefinite" nodeType="mainSeq">
+                <p:childTnLst>
+                  <p:par>
+                    <p:cTn id="3" fill="hold">
+                      <p:stCondLst>
+                        <p:cond delay="indefinite"/>
+                      </p:stCondLst>
+                      <p:childTnLst>
+                        <p:par>
+                          <p:cTn id="4" fill="hold">
+                            <p:stCondLst>
+                              <p:cond delay="0"/>
+                            </p:stCondLst>
+                            <p:childTnLst>
+                              <p:par>
+                                <p:cTn id="5" presetID="1" presetClass="entr" presetSubtype="0" fill="hold" grpId="0" nodeType="clickEffect">
+                                  <p:stCondLst>
+                                    <p:cond delay="0"/>
+                                  </p:stCondLst>
+                                  <p:childTnLst>
+                                    <p:set>
+                                      <p:cBhvr>
+                                        <p:cTn id="6" dur="1" fill="hold">
+                                          <p:stCondLst>
+                                            <p:cond delay="0"/>
+                                          </p:stCondLst>
+                                        </p:cTn>
+                                        <p:tgtEl>
+                                          <p:spTgt spid="2"/>
+                                        </p:tgtEl>
+                                        <p:attrNameLst>
+                                          <p:attrName>style.visibility</p:attrName>
+                                        </p:attrNameLst>
+                                      </p:cBhvr>
+                                      <p:to>
+                                        <p:strVal val="visible"/>
+                                      </p:to>
+                                    </p:set>
+                                  </p:childTnLst>
+                                </p:cTn>
+                              </p:par>
+                            </p:childTnLst>
+                          </p:cTn>
+                        </p:par>
+                      </p:childTnLst>
+                    </p:cTn>
+                  </p:par>
+                  <p:par>
+                    <p:cTn id="7" fill="hold">
+                      <p:stCondLst>
+                        <p:cond delay="indefinite"/>
+                      </p:stCondLst>
+                      <p:childTnLst>
+                        <p:par>
+                          <p:cTn id="8" fill="hold">
+                            <p:stCondLst>
+                              <p:cond delay="0"/>
+                            </p:stCondLst>
+                            <p:childTnLst>
+                              <p:par>
+                                <p:cTn id="9" presetID="1" presetClass="entr" presetSubtype="0" fill="hold" grpId="0" nodeType="clickEffect">
+                                  <p:stCondLst>
+                                    <p:cond delay="0"/>
+                                  </p:stCondLst>
+                                  <p:childTnLst>
+                                    <p:set>
+                                      <p:cBhvr>
+                                        <p:cTn id="10" dur="1" fill="hold">
+                                          <p:stCondLst>
+                                            <p:cond delay="0"/>
+                                          </p:stCondLst>
+                                        </p:cTn>
+                                        <p:tgtEl>
+                                          <p:spTgt spid="5"/>
+                                        </p:tgtEl>
+                                        <p:attrNameLst>
+                                          <p:attrName>style.visibility</p:attrName>
+                                        </p:attrNameLst>
+                                      </p:cBhvr>
+                                      <p:to>
+                                        <p:strVal val="visible"/>
+                                      </p:to>
+                                    </p:set>
+                                  </p:childTnLst>
+                                </p:cTn>
+                              </p:par>
+                            </p:childTnLst>
+                          </p:cTn>
+                        </p:par>
+                      </p:childTnLst>
+                    </p:cTn>
+                  </p:par>
+                  <p:par>
+                    <p:cTn id="11" fill="hold">
+                      <p:stCondLst>
+                        <p:cond delay="indefinite"/>
+                      </p:stCondLst>
+                      <p:childTnLst>
+                        <p:par>
+                          <p:cTn id="12" fill="hold">
+                            <p:stCondLst>
+                              <p:cond delay="0"/>
+                            </p:stCondLst>
+                            <p:childTnLst>
+                              <p:par>
+                                <p:cTn id="13" presetID="1" presetClass="entr" presetSubtype="0" fill="hold" grpId="0" nodeType="clickEffect">
+                                  <p:stCondLst>
+                                    <p:cond delay="0"/>
+                                  </p:stCondLst>
+                                  <p:childTnLst>
+                                    <p:set>
+                                      <p:cBhvr>
+                                        <p:cTn id="14" dur="1" fill="hold">
+                                          <p:stCondLst>
+                                            <p:cond delay="0"/>
+                                          </p:stCondLst>
+                                        </p:cTn>
+                                        <p:tgtEl>
+                                          <p:spTgt spid="3"/>
+                                        </p:tgtEl>
+                                        <p:attrNameLst>
+                                          <p:attrName>style.visibility</p:attrName>
+                                        </p:attrNameLst>
+                                      </p:cBhvr>
+                                      <p:to>
+                                        <p:strVal val="visible"/>
+                                      </p:to>
+                                    </p:set>
+                                  </p:childTnLst>
+                                </p:cTn>
+                              </p:par>
+                            </p:childTnLst>
+                          </p:cTn>
+                        </p:par>
+                      </p:childTnLst>
+                    </p:cTn>
+                  </p:par>
+                  <p:par>
+                    <p:cTn id="15" fill="hold">
+                      <p:stCondLst>
+                        <p:cond delay="indefinite"/>
+                      </p:stCondLst>
+                      <p:childTnLst>
+                        <p:par>
+                          <p:cTn id="16" fill="hold">
+                            <p:stCondLst>
+                              <p:cond delay="0"/>
+                            </p:stCondLst>
+                            <p:childTnLst>
+                              <p:par>
+                                <p:cTn id="17" presetID="1" presetClass="entr" presetSubtype="0" fill="hold" grpId="0" nodeType="clickEffect">
+                                  <p:stCondLst>
+                                    <p:cond delay="0"/>
+                                  </p:stCondLst>
+                                  <p:childTnLst>
+                                    <p:set>
+                                      <p:cBhvr>
+                                        <p:cTn id="18" dur="1" fill="hold">
+                                          <p:stCondLst>
+                                            <p:cond delay="0"/>
+                                          </p:stCondLst>
+                                        </p:cTn>
+                                        <p:tgtEl>
+                                          <p:spTgt spid="9"/>
+                                        </p:tgtEl>
+                                        <p:attrNameLst>
+                                          <p:attrName>style.visibility</p:attrName>
+                                        </p:attrNameLst>
+                                      </p:cBhvr>
+                                      <p:to>
+                                        <p:strVal val="visible"/>
+                                      </p:to>
+                                    </p:set>
+                                  </p:childTnLst>
+                                </p:cTn>
+                              </p:par>
+                            </p:childTnLst>
+                          </p:cTn>
+                        </p:par>
+                      </p:childTnLst>
+                    </p:cTn>
+                  </p:par>
+                  <p:par>
+                    <p:cTn id="19" fill="hold">
+                      <p:stCondLst>
+                        <p:cond delay="indefinite"/>
+                      </p:stCondLst>
+                      <p:childTnLst>
+                        <p:par>
+                          <p:cTn id="20" fill="hold">
+                            <p:stCondLst>
+                              <p:cond delay="0"/>
+                            </p:stCondLst>
+                            <p:childTnLst>
+                              <p:par>
+                                <p:cTn id="21" presetID="1" presetClass="entr" presetSubtype="0" fill="hold" grpId="0" nodeType="clickEffect">
+                                  <p:stCondLst>
+                                    <p:cond delay="0"/>
+                                  </p:stCondLst>
+                                  <p:childTnLst>
+                                    <p:set>
+                                      <p:cBhvr>
+                                        <p:cTn id="22" dur="1" fill="hold">
+                                          <p:stCondLst>
+                                            <p:cond delay="0"/>
+                                          </p:stCondLst>
+                                        </p:cTn>
+                                        <p:tgtEl>
+                                          <p:spTgt spid="10"/>
+                                        </p:tgtEl>
+                                        <p:attrNameLst>
+                                          <p:attrName>style.visibility</p:attrName>
+                                        </p:attrNameLst>
+                                      </p:cBhvr>
+                                      <p:to>
+                                        <p:strVal val="visible"/>
+                                      </p:to>
+                                    </p:set>
+                                  </p:childTnLst>
+                                </p:cTn>
+                              </p:par>
+                            </p:childTnLst>
+                          </p:cTn>
+                        </p:par>
+                      </p:childTnLst>
+                    </p:cTn>
+                  </p:par>
+                </p:childTnLst>
+              </p:cTn>
+              <p:prevCondLst>
+                <p:cond evt="onPrev" delay="0">
+                  <p:tgtEl>
+                    <p:sldTgt/>
+                  </p:tgtEl>
+                </p:cond>
+              </p:prevCondLst>
+              <p:nextCondLst>
+                <p:cond evt="onNext" delay="0">
+                  <p:tgtEl>
+                    <p:sldTgt/>
+                  </p:tgtEl>
+                </p:cond>
+              </p:nextCondLst>
+            </p:seq>
+          </p:childTnLst>
+        </p:cTn>
+      </p:par>
+    </p:tnLst>
+    <p:bldLst>
+      <p:bldP spid="2" grpId="0"/>
+      <p:bldP spid="5" grpId="0"/>
+      <p:bldP spid="3" grpId="0"/>
+      <p:bldP spid="9" grpId="0"/>
+      <p:bldP spid="10" grpId="0"/>
+    </p:bldLst>
+  </p:timing>
 </p:sld>
 </file>
 
@@ -10442,6 +12680,221 @@
   <p:clrMapOvr>
     <a:masterClrMapping/>
   </p:clrMapOvr>
+  <p:timing>
+    <p:tnLst>
+      <p:par>
+        <p:cTn id="1" dur="indefinite" restart="never" nodeType="tmRoot">
+          <p:childTnLst>
+            <p:seq concurrent="1" nextAc="seek">
+              <p:cTn id="2" dur="indefinite" nodeType="mainSeq">
+                <p:childTnLst>
+                  <p:par>
+                    <p:cTn id="3" fill="hold">
+                      <p:stCondLst>
+                        <p:cond delay="indefinite"/>
+                      </p:stCondLst>
+                      <p:childTnLst>
+                        <p:par>
+                          <p:cTn id="4" fill="hold">
+                            <p:stCondLst>
+                              <p:cond delay="0"/>
+                            </p:stCondLst>
+                            <p:childTnLst>
+                              <p:par>
+                                <p:cTn id="5" presetID="1" presetClass="entr" presetSubtype="0" fill="hold" grpId="0" nodeType="clickEffect">
+                                  <p:stCondLst>
+                                    <p:cond delay="0"/>
+                                  </p:stCondLst>
+                                  <p:childTnLst>
+                                    <p:set>
+                                      <p:cBhvr>
+                                        <p:cTn id="6" dur="1" fill="hold">
+                                          <p:stCondLst>
+                                            <p:cond delay="0"/>
+                                          </p:stCondLst>
+                                        </p:cTn>
+                                        <p:tgtEl>
+                                          <p:spTgt spid="2"/>
+                                        </p:tgtEl>
+                                        <p:attrNameLst>
+                                          <p:attrName>style.visibility</p:attrName>
+                                        </p:attrNameLst>
+                                      </p:cBhvr>
+                                      <p:to>
+                                        <p:strVal val="visible"/>
+                                      </p:to>
+                                    </p:set>
+                                  </p:childTnLst>
+                                </p:cTn>
+                              </p:par>
+                            </p:childTnLst>
+                          </p:cTn>
+                        </p:par>
+                      </p:childTnLst>
+                    </p:cTn>
+                  </p:par>
+                  <p:par>
+                    <p:cTn id="7" fill="hold">
+                      <p:stCondLst>
+                        <p:cond delay="indefinite"/>
+                      </p:stCondLst>
+                      <p:childTnLst>
+                        <p:par>
+                          <p:cTn id="8" fill="hold">
+                            <p:stCondLst>
+                              <p:cond delay="0"/>
+                            </p:stCondLst>
+                            <p:childTnLst>
+                              <p:par>
+                                <p:cTn id="9" presetID="1" presetClass="entr" presetSubtype="0" fill="hold" grpId="0" nodeType="clickEffect">
+                                  <p:stCondLst>
+                                    <p:cond delay="0"/>
+                                  </p:stCondLst>
+                                  <p:childTnLst>
+                                    <p:set>
+                                      <p:cBhvr>
+                                        <p:cTn id="10" dur="1" fill="hold">
+                                          <p:stCondLst>
+                                            <p:cond delay="0"/>
+                                          </p:stCondLst>
+                                        </p:cTn>
+                                        <p:tgtEl>
+                                          <p:spTgt spid="3"/>
+                                        </p:tgtEl>
+                                        <p:attrNameLst>
+                                          <p:attrName>style.visibility</p:attrName>
+                                        </p:attrNameLst>
+                                      </p:cBhvr>
+                                      <p:to>
+                                        <p:strVal val="visible"/>
+                                      </p:to>
+                                    </p:set>
+                                  </p:childTnLst>
+                                </p:cTn>
+                              </p:par>
+                            </p:childTnLst>
+                          </p:cTn>
+                        </p:par>
+                      </p:childTnLst>
+                    </p:cTn>
+                  </p:par>
+                  <p:par>
+                    <p:cTn id="11" fill="hold">
+                      <p:stCondLst>
+                        <p:cond delay="indefinite"/>
+                      </p:stCondLst>
+                      <p:childTnLst>
+                        <p:par>
+                          <p:cTn id="12" fill="hold">
+                            <p:stCondLst>
+                              <p:cond delay="0"/>
+                            </p:stCondLst>
+                            <p:childTnLst>
+                              <p:par>
+                                <p:cTn id="13" presetID="1" presetClass="entr" presetSubtype="0" fill="hold" grpId="0" nodeType="clickEffect">
+                                  <p:stCondLst>
+                                    <p:cond delay="0"/>
+                                  </p:stCondLst>
+                                  <p:childTnLst>
+                                    <p:set>
+                                      <p:cBhvr>
+                                        <p:cTn id="14" dur="1" fill="hold">
+                                          <p:stCondLst>
+                                            <p:cond delay="0"/>
+                                          </p:stCondLst>
+                                        </p:cTn>
+                                        <p:tgtEl>
+                                          <p:spTgt spid="4"/>
+                                        </p:tgtEl>
+                                        <p:attrNameLst>
+                                          <p:attrName>style.visibility</p:attrName>
+                                        </p:attrNameLst>
+                                      </p:cBhvr>
+                                      <p:to>
+                                        <p:strVal val="visible"/>
+                                      </p:to>
+                                    </p:set>
+                                  </p:childTnLst>
+                                </p:cTn>
+                              </p:par>
+                            </p:childTnLst>
+                          </p:cTn>
+                        </p:par>
+                      </p:childTnLst>
+                    </p:cTn>
+                  </p:par>
+                  <p:par>
+                    <p:cTn id="15" fill="hold">
+                      <p:stCondLst>
+                        <p:cond delay="indefinite"/>
+                      </p:stCondLst>
+                      <p:childTnLst>
+                        <p:par>
+                          <p:cTn id="16" fill="hold">
+                            <p:stCondLst>
+                              <p:cond delay="0"/>
+                            </p:stCondLst>
+                            <p:childTnLst>
+                              <p:par>
+                                <p:cTn id="17" presetID="1" presetClass="entr" presetSubtype="0" fill="hold" nodeType="clickEffect">
+                                  <p:stCondLst>
+                                    <p:cond delay="0"/>
+                                  </p:stCondLst>
+                                  <p:childTnLst>
+                                    <p:set>
+                                      <p:cBhvr>
+                                        <p:cTn id="18" dur="1" fill="hold">
+                                          <p:stCondLst>
+                                            <p:cond delay="0"/>
+                                          </p:stCondLst>
+                                        </p:cTn>
+                                        <p:tgtEl>
+                                          <p:spTgt spid="9"/>
+                                        </p:tgtEl>
+                                        <p:attrNameLst>
+                                          <p:attrName>style.visibility</p:attrName>
+                                        </p:attrNameLst>
+                                      </p:cBhvr>
+                                      <p:to>
+                                        <p:strVal val="visible"/>
+                                      </p:to>
+                                    </p:set>
+                                  </p:childTnLst>
+                                </p:cTn>
+                              </p:par>
+                            </p:childTnLst>
+                          </p:cTn>
+                        </p:par>
+                      </p:childTnLst>
+                    </p:cTn>
+                  </p:par>
+                </p:childTnLst>
+              </p:cTn>
+              <p:prevCondLst>
+                <p:cond evt="onPrev" delay="0">
+                  <p:tgtEl>
+                    <p:sldTgt/>
+                  </p:tgtEl>
+                </p:cond>
+              </p:prevCondLst>
+              <p:nextCondLst>
+                <p:cond evt="onNext" delay="0">
+                  <p:tgtEl>
+                    <p:sldTgt/>
+                  </p:tgtEl>
+                </p:cond>
+              </p:nextCondLst>
+            </p:seq>
+          </p:childTnLst>
+        </p:cTn>
+      </p:par>
+    </p:tnLst>
+    <p:bldLst>
+      <p:bldP spid="2" grpId="0"/>
+      <p:bldP spid="3" grpId="0"/>
+      <p:bldP spid="4" grpId="0"/>
+    </p:bldLst>
+  </p:timing>
 </p:sld>
 </file>
 
@@ -11159,6 +13612,272 @@
   <p:clrMapOvr>
     <a:masterClrMapping/>
   </p:clrMapOvr>
+  <p:timing>
+    <p:tnLst>
+      <p:par>
+        <p:cTn id="1" dur="indefinite" restart="never" nodeType="tmRoot">
+          <p:childTnLst>
+            <p:seq concurrent="1" nextAc="seek">
+              <p:cTn id="2" dur="indefinite" nodeType="mainSeq">
+                <p:childTnLst>
+                  <p:par>
+                    <p:cTn id="3" fill="hold">
+                      <p:stCondLst>
+                        <p:cond delay="indefinite"/>
+                      </p:stCondLst>
+                      <p:childTnLst>
+                        <p:par>
+                          <p:cTn id="4" fill="hold">
+                            <p:stCondLst>
+                              <p:cond delay="0"/>
+                            </p:stCondLst>
+                            <p:childTnLst>
+                              <p:par>
+                                <p:cTn id="5" presetID="1" presetClass="entr" presetSubtype="0" fill="hold" grpId="0" nodeType="clickEffect">
+                                  <p:stCondLst>
+                                    <p:cond delay="0"/>
+                                  </p:stCondLst>
+                                  <p:childTnLst>
+                                    <p:set>
+                                      <p:cBhvr>
+                                        <p:cTn id="6" dur="1" fill="hold">
+                                          <p:stCondLst>
+                                            <p:cond delay="0"/>
+                                          </p:stCondLst>
+                                        </p:cTn>
+                                        <p:tgtEl>
+                                          <p:spTgt spid="2"/>
+                                        </p:tgtEl>
+                                        <p:attrNameLst>
+                                          <p:attrName>style.visibility</p:attrName>
+                                        </p:attrNameLst>
+                                      </p:cBhvr>
+                                      <p:to>
+                                        <p:strVal val="visible"/>
+                                      </p:to>
+                                    </p:set>
+                                  </p:childTnLst>
+                                </p:cTn>
+                              </p:par>
+                            </p:childTnLst>
+                          </p:cTn>
+                        </p:par>
+                      </p:childTnLst>
+                    </p:cTn>
+                  </p:par>
+                  <p:par>
+                    <p:cTn id="7" fill="hold">
+                      <p:stCondLst>
+                        <p:cond delay="indefinite"/>
+                      </p:stCondLst>
+                      <p:childTnLst>
+                        <p:par>
+                          <p:cTn id="8" fill="hold">
+                            <p:stCondLst>
+                              <p:cond delay="0"/>
+                            </p:stCondLst>
+                            <p:childTnLst>
+                              <p:par>
+                                <p:cTn id="9" presetID="1" presetClass="entr" presetSubtype="0" fill="hold" grpId="0" nodeType="clickEffect">
+                                  <p:stCondLst>
+                                    <p:cond delay="0"/>
+                                  </p:stCondLst>
+                                  <p:childTnLst>
+                                    <p:set>
+                                      <p:cBhvr>
+                                        <p:cTn id="10" dur="1" fill="hold">
+                                          <p:stCondLst>
+                                            <p:cond delay="0"/>
+                                          </p:stCondLst>
+                                        </p:cTn>
+                                        <p:tgtEl>
+                                          <p:spTgt spid="3">
+                                            <p:txEl>
+                                              <p:pRg st="0" end="0"/>
+                                            </p:txEl>
+                                          </p:spTgt>
+                                        </p:tgtEl>
+                                        <p:attrNameLst>
+                                          <p:attrName>style.visibility</p:attrName>
+                                        </p:attrNameLst>
+                                      </p:cBhvr>
+                                      <p:to>
+                                        <p:strVal val="visible"/>
+                                      </p:to>
+                                    </p:set>
+                                  </p:childTnLst>
+                                </p:cTn>
+                              </p:par>
+                            </p:childTnLst>
+                          </p:cTn>
+                        </p:par>
+                      </p:childTnLst>
+                    </p:cTn>
+                  </p:par>
+                  <p:par>
+                    <p:cTn id="11" fill="hold">
+                      <p:stCondLst>
+                        <p:cond delay="indefinite"/>
+                      </p:stCondLst>
+                      <p:childTnLst>
+                        <p:par>
+                          <p:cTn id="12" fill="hold">
+                            <p:stCondLst>
+                              <p:cond delay="0"/>
+                            </p:stCondLst>
+                            <p:childTnLst>
+                              <p:par>
+                                <p:cTn id="13" presetID="1" presetClass="entr" presetSubtype="0" fill="hold" grpId="0" nodeType="clickEffect">
+                                  <p:stCondLst>
+                                    <p:cond delay="0"/>
+                                  </p:stCondLst>
+                                  <p:childTnLst>
+                                    <p:set>
+                                      <p:cBhvr>
+                                        <p:cTn id="14" dur="1" fill="hold">
+                                          <p:stCondLst>
+                                            <p:cond delay="0"/>
+                                          </p:stCondLst>
+                                        </p:cTn>
+                                        <p:tgtEl>
+                                          <p:spTgt spid="5"/>
+                                        </p:tgtEl>
+                                        <p:attrNameLst>
+                                          <p:attrName>style.visibility</p:attrName>
+                                        </p:attrNameLst>
+                                      </p:cBhvr>
+                                      <p:to>
+                                        <p:strVal val="visible"/>
+                                      </p:to>
+                                    </p:set>
+                                  </p:childTnLst>
+                                </p:cTn>
+                              </p:par>
+                            </p:childTnLst>
+                          </p:cTn>
+                        </p:par>
+                      </p:childTnLst>
+                    </p:cTn>
+                  </p:par>
+                  <p:par>
+                    <p:cTn id="15" fill="hold">
+                      <p:stCondLst>
+                        <p:cond delay="indefinite"/>
+                      </p:stCondLst>
+                      <p:childTnLst>
+                        <p:par>
+                          <p:cTn id="16" fill="hold">
+                            <p:stCondLst>
+                              <p:cond delay="0"/>
+                            </p:stCondLst>
+                            <p:childTnLst>
+                              <p:par>
+                                <p:cTn id="17" presetID="1" presetClass="entr" presetSubtype="0" fill="hold" grpId="0" nodeType="clickEffect">
+                                  <p:stCondLst>
+                                    <p:cond delay="0"/>
+                                  </p:stCondLst>
+                                  <p:childTnLst>
+                                    <p:set>
+                                      <p:cBhvr>
+                                        <p:cTn id="18" dur="1" fill="hold">
+                                          <p:stCondLst>
+                                            <p:cond delay="0"/>
+                                          </p:stCondLst>
+                                        </p:cTn>
+                                        <p:tgtEl>
+                                          <p:spTgt spid="4"/>
+                                        </p:tgtEl>
+                                        <p:attrNameLst>
+                                          <p:attrName>style.visibility</p:attrName>
+                                        </p:attrNameLst>
+                                      </p:cBhvr>
+                                      <p:to>
+                                        <p:strVal val="visible"/>
+                                      </p:to>
+                                    </p:set>
+                                  </p:childTnLst>
+                                </p:cTn>
+                              </p:par>
+                            </p:childTnLst>
+                          </p:cTn>
+                        </p:par>
+                      </p:childTnLst>
+                    </p:cTn>
+                  </p:par>
+                  <p:par>
+                    <p:cTn id="19" fill="hold">
+                      <p:stCondLst>
+                        <p:cond delay="indefinite"/>
+                      </p:stCondLst>
+                      <p:childTnLst>
+                        <p:par>
+                          <p:cTn id="20" fill="hold">
+                            <p:stCondLst>
+                              <p:cond delay="0"/>
+                            </p:stCondLst>
+                            <p:childTnLst>
+                              <p:par>
+                                <p:cTn id="21" presetID="1" presetClass="entr" presetSubtype="0" fill="hold" grpId="0" nodeType="clickEffect">
+                                  <p:stCondLst>
+                                    <p:cond delay="0"/>
+                                  </p:stCondLst>
+                                  <p:childTnLst>
+                                    <p:set>
+                                      <p:cBhvr>
+                                        <p:cTn id="22" dur="1" fill="hold">
+                                          <p:stCondLst>
+                                            <p:cond delay="0"/>
+                                          </p:stCondLst>
+                                        </p:cTn>
+                                        <p:tgtEl>
+                                          <p:spTgt spid="6"/>
+                                        </p:tgtEl>
+                                        <p:attrNameLst>
+                                          <p:attrName>style.visibility</p:attrName>
+                                        </p:attrNameLst>
+                                      </p:cBhvr>
+                                      <p:to>
+                                        <p:strVal val="visible"/>
+                                      </p:to>
+                                    </p:set>
+                                  </p:childTnLst>
+                                </p:cTn>
+                              </p:par>
+                            </p:childTnLst>
+                          </p:cTn>
+                        </p:par>
+                      </p:childTnLst>
+                    </p:cTn>
+                  </p:par>
+                </p:childTnLst>
+              </p:cTn>
+              <p:prevCondLst>
+                <p:cond evt="onPrev" delay="0">
+                  <p:tgtEl>
+                    <p:sldTgt/>
+                  </p:tgtEl>
+                </p:cond>
+              </p:prevCondLst>
+              <p:nextCondLst>
+                <p:cond evt="onNext" delay="0">
+                  <p:tgtEl>
+                    <p:sldTgt/>
+                  </p:tgtEl>
+                </p:cond>
+              </p:nextCondLst>
+            </p:seq>
+          </p:childTnLst>
+        </p:cTn>
+      </p:par>
+    </p:tnLst>
+    <p:bldLst>
+      <p:bldP spid="2" grpId="0"/>
+      <p:bldP spid="3" grpId="0" build="p"/>
+      <p:bldP spid="4" grpId="0"/>
+      <p:bldP spid="5" grpId="0"/>
+      <p:bldP spid="6" grpId="0"/>
+    </p:bldLst>
+  </p:timing>
 </p:sld>
 </file>
 
@@ -11487,6 +14206,180 @@
   <p:clrMapOvr>
     <a:masterClrMapping/>
   </p:clrMapOvr>
+  <p:timing>
+    <p:tnLst>
+      <p:par>
+        <p:cTn id="1" dur="indefinite" restart="never" nodeType="tmRoot">
+          <p:childTnLst>
+            <p:seq concurrent="1" nextAc="seek">
+              <p:cTn id="2" dur="indefinite" nodeType="mainSeq">
+                <p:childTnLst>
+                  <p:par>
+                    <p:cTn id="3" fill="hold">
+                      <p:stCondLst>
+                        <p:cond delay="indefinite"/>
+                      </p:stCondLst>
+                      <p:childTnLst>
+                        <p:par>
+                          <p:cTn id="4" fill="hold">
+                            <p:stCondLst>
+                              <p:cond delay="0"/>
+                            </p:stCondLst>
+                            <p:childTnLst>
+                              <p:par>
+                                <p:cTn id="5" presetID="1" presetClass="entr" presetSubtype="0" fill="hold" grpId="0" nodeType="clickEffect">
+                                  <p:stCondLst>
+                                    <p:cond delay="0"/>
+                                  </p:stCondLst>
+                                  <p:childTnLst>
+                                    <p:set>
+                                      <p:cBhvr>
+                                        <p:cTn id="6" dur="1" fill="hold">
+                                          <p:stCondLst>
+                                            <p:cond delay="0"/>
+                                          </p:stCondLst>
+                                        </p:cTn>
+                                        <p:tgtEl>
+                                          <p:spTgt spid="2"/>
+                                        </p:tgtEl>
+                                        <p:attrNameLst>
+                                          <p:attrName>style.visibility</p:attrName>
+                                        </p:attrNameLst>
+                                      </p:cBhvr>
+                                      <p:to>
+                                        <p:strVal val="visible"/>
+                                      </p:to>
+                                    </p:set>
+                                  </p:childTnLst>
+                                </p:cTn>
+                              </p:par>
+                            </p:childTnLst>
+                          </p:cTn>
+                        </p:par>
+                      </p:childTnLst>
+                    </p:cTn>
+                  </p:par>
+                  <p:par>
+                    <p:cTn id="7" fill="hold">
+                      <p:stCondLst>
+                        <p:cond delay="indefinite"/>
+                      </p:stCondLst>
+                      <p:childTnLst>
+                        <p:par>
+                          <p:cTn id="8" fill="hold">
+                            <p:stCondLst>
+                              <p:cond delay="0"/>
+                            </p:stCondLst>
+                            <p:childTnLst>
+                              <p:par>
+                                <p:cTn id="9" presetID="1" presetClass="entr" presetSubtype="0" fill="hold" grpId="0" nodeType="clickEffect">
+                                  <p:stCondLst>
+                                    <p:cond delay="0"/>
+                                  </p:stCondLst>
+                                  <p:childTnLst>
+                                    <p:set>
+                                      <p:cBhvr>
+                                        <p:cTn id="10" dur="1" fill="hold">
+                                          <p:stCondLst>
+                                            <p:cond delay="0"/>
+                                          </p:stCondLst>
+                                        </p:cTn>
+                                        <p:tgtEl>
+                                          <p:spTgt spid="3">
+                                            <p:txEl>
+                                              <p:pRg st="0" end="0"/>
+                                            </p:txEl>
+                                          </p:spTgt>
+                                        </p:tgtEl>
+                                        <p:attrNameLst>
+                                          <p:attrName>style.visibility</p:attrName>
+                                        </p:attrNameLst>
+                                      </p:cBhvr>
+                                      <p:to>
+                                        <p:strVal val="visible"/>
+                                      </p:to>
+                                    </p:set>
+                                  </p:childTnLst>
+                                </p:cTn>
+                              </p:par>
+                            </p:childTnLst>
+                          </p:cTn>
+                        </p:par>
+                      </p:childTnLst>
+                    </p:cTn>
+                  </p:par>
+                  <p:par>
+                    <p:cTn id="11" fill="hold">
+                      <p:stCondLst>
+                        <p:cond delay="indefinite"/>
+                      </p:stCondLst>
+                      <p:childTnLst>
+                        <p:par>
+                          <p:cTn id="12" fill="hold">
+                            <p:stCondLst>
+                              <p:cond delay="0"/>
+                            </p:stCondLst>
+                            <p:childTnLst>
+                              <p:par>
+                                <p:cTn id="13" presetID="1" presetClass="entr" presetSubtype="0" fill="hold" grpId="0" nodeType="clickEffect">
+                                  <p:stCondLst>
+                                    <p:cond delay="0"/>
+                                  </p:stCondLst>
+                                  <p:childTnLst>
+                                    <p:set>
+                                      <p:cBhvr>
+                                        <p:cTn id="14" dur="1" fill="hold">
+                                          <p:stCondLst>
+                                            <p:cond delay="0"/>
+                                          </p:stCondLst>
+                                        </p:cTn>
+                                        <p:tgtEl>
+                                          <p:spTgt spid="4"/>
+                                        </p:tgtEl>
+                                        <p:attrNameLst>
+                                          <p:attrName>style.visibility</p:attrName>
+                                        </p:attrNameLst>
+                                      </p:cBhvr>
+                                      <p:to>
+                                        <p:strVal val="visible"/>
+                                      </p:to>
+                                    </p:set>
+                                  </p:childTnLst>
+                                </p:cTn>
+                              </p:par>
+                            </p:childTnLst>
+                          </p:cTn>
+                        </p:par>
+                      </p:childTnLst>
+                    </p:cTn>
+                  </p:par>
+                </p:childTnLst>
+              </p:cTn>
+              <p:prevCondLst>
+                <p:cond evt="onPrev" delay="0">
+                  <p:tgtEl>
+                    <p:sldTgt/>
+                  </p:tgtEl>
+                </p:cond>
+              </p:prevCondLst>
+              <p:nextCondLst>
+                <p:cond evt="onNext" delay="0">
+                  <p:tgtEl>
+                    <p:sldTgt/>
+                  </p:tgtEl>
+                </p:cond>
+              </p:nextCondLst>
+            </p:seq>
+          </p:childTnLst>
+        </p:cTn>
+      </p:par>
+    </p:tnLst>
+    <p:bldLst>
+      <p:bldP spid="2" grpId="0"/>
+      <p:bldP spid="3" grpId="0" build="p"/>
+      <p:bldP spid="4" grpId="0"/>
+    </p:bldLst>
+  </p:timing>
 </p:sld>
 </file>
 

--- a/Apresentação do ConnectSpace.pptx
+++ b/Apresentação do ConnectSpace.pptx
@@ -133,6 +133,43 @@
 </p:presentation>
 </file>
 
+<file path=ppt/changesInfos/changesInfo1.xml><?xml version="1.0" encoding="utf-8"?>
+<pc:chgInfo xmlns:a="http://schemas.openxmlformats.org/drawingml/2006/main" xmlns:r="http://schemas.openxmlformats.org/officeDocument/2006/relationships" xmlns:ac="http://schemas.microsoft.com/office/drawing/2013/main/command" xmlns:pc="http://schemas.microsoft.com/office/powerpoint/2013/main/command">
+  <pc:docChgLst>
+    <pc:chgData name="Alan Lucindo Gomes" userId="c6e3327e-9e23-40a0-8b3a-244e50c9ac98" providerId="ADAL" clId="{E00A4086-91F4-4C24-AAA5-A6D07447F648}"/>
+    <pc:docChg chg="custSel modSld">
+      <pc:chgData name="Alan Lucindo Gomes" userId="c6e3327e-9e23-40a0-8b3a-244e50c9ac98" providerId="ADAL" clId="{E00A4086-91F4-4C24-AAA5-A6D07447F648}" dt="2025-02-04T12:24:55.775" v="11" actId="14100"/>
+      <pc:docMkLst>
+        <pc:docMk/>
+      </pc:docMkLst>
+      <pc:sldChg chg="modSp mod">
+        <pc:chgData name="Alan Lucindo Gomes" userId="c6e3327e-9e23-40a0-8b3a-244e50c9ac98" providerId="ADAL" clId="{E00A4086-91F4-4C24-AAA5-A6D07447F648}" dt="2025-02-04T12:24:55.775" v="11" actId="14100"/>
+        <pc:sldMkLst>
+          <pc:docMk/>
+          <pc:sldMk cId="1829521518" sldId="261"/>
+        </pc:sldMkLst>
+        <pc:spChg chg="mod">
+          <ac:chgData name="Alan Lucindo Gomes" userId="c6e3327e-9e23-40a0-8b3a-244e50c9ac98" providerId="ADAL" clId="{E00A4086-91F4-4C24-AAA5-A6D07447F648}" dt="2025-02-04T12:24:55.775" v="11" actId="14100"/>
+          <ac:spMkLst>
+            <pc:docMk/>
+            <pc:sldMk cId="1829521518" sldId="261"/>
+            <ac:spMk id="9" creationId="{376F0625-3965-1759-E7FC-9BB1CB3764D2}"/>
+          </ac:spMkLst>
+        </pc:spChg>
+        <pc:spChg chg="mod">
+          <ac:chgData name="Alan Lucindo Gomes" userId="c6e3327e-9e23-40a0-8b3a-244e50c9ac98" providerId="ADAL" clId="{E00A4086-91F4-4C24-AAA5-A6D07447F648}" dt="2025-02-04T12:24:14.909" v="8" actId="27636"/>
+          <ac:spMkLst>
+            <pc:docMk/>
+            <pc:sldMk cId="1829521518" sldId="261"/>
+            <ac:spMk id="10" creationId="{B198734C-3C25-19DD-A1CE-D6B1ED052868}"/>
+          </ac:spMkLst>
+        </pc:spChg>
+      </pc:sldChg>
+    </pc:docChg>
+  </pc:docChgLst>
+</pc:chgInfo>
+</file>
+
 <file path=ppt/slideLayouts/slideLayout1.xml><?xml version="1.0" encoding="utf-8"?>
 <p:sldLayout xmlns:a="http://schemas.openxmlformats.org/drawingml/2006/main" xmlns:r="http://schemas.openxmlformats.org/officeDocument/2006/relationships" xmlns:p="http://schemas.openxmlformats.org/presentationml/2006/main" type="title" preserve="1">
   <p:cSld name="Slide de Título">
@@ -280,7 +317,7 @@
           <a:p>
             <a:fld id="{79654440-82C3-4A0A-A3C0-A8B5AF5B4FF1}" type="datetimeFigureOut">
               <a:rPr lang="pt-BR" smtClean="0"/>
-              <a:t>29/01/2025</a:t>
+              <a:t>04/02/2025</a:t>
             </a:fld>
             <a:endParaRPr lang="pt-BR"/>
           </a:p>
@@ -478,7 +515,7 @@
           <a:p>
             <a:fld id="{79654440-82C3-4A0A-A3C0-A8B5AF5B4FF1}" type="datetimeFigureOut">
               <a:rPr lang="pt-BR" smtClean="0"/>
-              <a:t>29/01/2025</a:t>
+              <a:t>04/02/2025</a:t>
             </a:fld>
             <a:endParaRPr lang="pt-BR"/>
           </a:p>
@@ -686,7 +723,7 @@
           <a:p>
             <a:fld id="{79654440-82C3-4A0A-A3C0-A8B5AF5B4FF1}" type="datetimeFigureOut">
               <a:rPr lang="pt-BR" smtClean="0"/>
-              <a:t>29/01/2025</a:t>
+              <a:t>04/02/2025</a:t>
             </a:fld>
             <a:endParaRPr lang="pt-BR"/>
           </a:p>
@@ -889,7 +926,7 @@
           <a:p>
             <a:fld id="{79654440-82C3-4A0A-A3C0-A8B5AF5B4FF1}" type="datetimeFigureOut">
               <a:rPr lang="pt-BR" smtClean="0"/>
-              <a:t>29/01/2025</a:t>
+              <a:t>04/02/2025</a:t>
             </a:fld>
             <a:endParaRPr lang="pt-BR"/>
           </a:p>
@@ -1164,7 +1201,7 @@
           <a:p>
             <a:fld id="{79654440-82C3-4A0A-A3C0-A8B5AF5B4FF1}" type="datetimeFigureOut">
               <a:rPr lang="pt-BR" smtClean="0"/>
-              <a:t>29/01/2025</a:t>
+              <a:t>04/02/2025</a:t>
             </a:fld>
             <a:endParaRPr lang="pt-BR"/>
           </a:p>
@@ -1429,7 +1466,7 @@
           <a:p>
             <a:fld id="{79654440-82C3-4A0A-A3C0-A8B5AF5B4FF1}" type="datetimeFigureOut">
               <a:rPr lang="pt-BR" smtClean="0"/>
-              <a:t>29/01/2025</a:t>
+              <a:t>04/02/2025</a:t>
             </a:fld>
             <a:endParaRPr lang="pt-BR"/>
           </a:p>
@@ -1841,7 +1878,7 @@
           <a:p>
             <a:fld id="{79654440-82C3-4A0A-A3C0-A8B5AF5B4FF1}" type="datetimeFigureOut">
               <a:rPr lang="pt-BR" smtClean="0"/>
-              <a:t>29/01/2025</a:t>
+              <a:t>04/02/2025</a:t>
             </a:fld>
             <a:endParaRPr lang="pt-BR"/>
           </a:p>
@@ -1982,7 +2019,7 @@
           <a:p>
             <a:fld id="{79654440-82C3-4A0A-A3C0-A8B5AF5B4FF1}" type="datetimeFigureOut">
               <a:rPr lang="pt-BR" smtClean="0"/>
-              <a:t>29/01/2025</a:t>
+              <a:t>04/02/2025</a:t>
             </a:fld>
             <a:endParaRPr lang="pt-BR"/>
           </a:p>
@@ -2095,7 +2132,7 @@
           <a:p>
             <a:fld id="{79654440-82C3-4A0A-A3C0-A8B5AF5B4FF1}" type="datetimeFigureOut">
               <a:rPr lang="pt-BR" smtClean="0"/>
-              <a:t>29/01/2025</a:t>
+              <a:t>04/02/2025</a:t>
             </a:fld>
             <a:endParaRPr lang="pt-BR"/>
           </a:p>
@@ -2406,7 +2443,7 @@
           <a:p>
             <a:fld id="{79654440-82C3-4A0A-A3C0-A8B5AF5B4FF1}" type="datetimeFigureOut">
               <a:rPr lang="pt-BR" smtClean="0"/>
-              <a:t>29/01/2025</a:t>
+              <a:t>04/02/2025</a:t>
             </a:fld>
             <a:endParaRPr lang="pt-BR"/>
           </a:p>
@@ -2694,7 +2731,7 @@
           <a:p>
             <a:fld id="{79654440-82C3-4A0A-A3C0-A8B5AF5B4FF1}" type="datetimeFigureOut">
               <a:rPr lang="pt-BR" smtClean="0"/>
-              <a:t>29/01/2025</a:t>
+              <a:t>04/02/2025</a:t>
             </a:fld>
             <a:endParaRPr lang="pt-BR"/>
           </a:p>
@@ -8221,7 +8258,7 @@
         </p:spPr>
         <p:txBody>
           <a:bodyPr vert="horz" lIns="91440" tIns="45720" rIns="91440" bIns="45720" rtlCol="0">
-            <a:normAutofit fontScale="92500"/>
+            <a:normAutofit fontScale="47500" lnSpcReduction="20000"/>
           </a:bodyPr>
           <a:lstStyle>
             <a:lvl1pPr marL="0" indent="0" algn="ctr" defTabSz="914400" rtl="0" eaLnBrk="1" latinLnBrk="0" hangingPunct="1">
@@ -8391,7 +8428,7 @@
             <a:pPr algn="l"/>
             <a:r>
               <a:rPr lang="pt-BR" dirty="0"/>
-              <a:t>Síncrono: https://app.diagrams.net/#G1udy5n1bY5LCgT7nLhzxNxHCW64jMrHV8</a:t>
+              <a:t>Síncrono: https://viewer.diagrams.net/?tags=%7B%7D&amp;lightbox=1&amp;highlight=0000ff&amp;edit=_blank&amp;layers=1&amp;nav=1&amp;title=01-Caf%C3%A9Sincrono.drawio#Uhttps%3A%2F%2Fdrive.google.com%2Fuc%3Fid%3D1udy5n1bY5LCgT7nLhzxNxHCW64jMrHV8%26export%3Ddownload</a:t>
             </a:r>
           </a:p>
         </p:txBody>
@@ -8421,7 +8458,7 @@
         </p:spPr>
         <p:txBody>
           <a:bodyPr vert="horz" lIns="91440" tIns="45720" rIns="91440" bIns="45720" rtlCol="0">
-            <a:normAutofit fontScale="92500"/>
+            <a:normAutofit fontScale="47500" lnSpcReduction="20000"/>
           </a:bodyPr>
           <a:lstStyle>
             <a:lvl1pPr marL="0" indent="0" algn="ctr" defTabSz="914400" rtl="0" eaLnBrk="1" latinLnBrk="0" hangingPunct="1">
@@ -8591,7 +8628,7 @@
             <a:pPr algn="l"/>
             <a:r>
               <a:rPr lang="pt-BR" dirty="0"/>
-              <a:t>Assíncrono: https://app.diagrams.net/#G1vYnjxyRCNvQgAzsX42zMzeATOwnBtncR</a:t>
+              <a:t>Assíncrono: https://viewer.diagrams.net/?tags=%7B%7D&amp;lightbox=1&amp;highlight=0000ff&amp;edit=_blank&amp;layers=1&amp;nav=1&amp;title=02-Caf%C3%A9Ass%C3%ADncrono.drawio#Uhttps%3A%2F%2Fdrive.google.com%2Fuc%3Fid%3D1vYnjxyRCNvQgAzsX42zMzeATOwnBtncR%26export%3Ddownload</a:t>
             </a:r>
           </a:p>
         </p:txBody>
